--- a/DOC/TISPL_features.pptx
+++ b/DOC/TISPL_features.pptx
@@ -292,7 +292,8 @@
           <a:p>
             <a:fld id="{7A3DF7B3-DACB-4C6A-AA0E-B0BBA0C94F9A}" type="datetimeFigureOut">
               <a:rPr lang="cs-CZ" smtClean="0"/>
-              <a:t>18.05.2018</a:t>
+              <a:pPr/>
+              <a:t>02.10.2018</a:t>
             </a:fld>
             <a:endParaRPr lang="cs-CZ"/>
           </a:p>
@@ -334,6 +335,7 @@
           <a:p>
             <a:fld id="{F20798C9-71E1-4332-BDD6-7F860F642B04}" type="slidenum">
               <a:rPr lang="cs-CZ" smtClean="0"/>
+              <a:pPr/>
               <a:t>‹#›</a:t>
             </a:fld>
             <a:endParaRPr lang="cs-CZ"/>
@@ -457,7 +459,8 @@
           <a:p>
             <a:fld id="{7A3DF7B3-DACB-4C6A-AA0E-B0BBA0C94F9A}" type="datetimeFigureOut">
               <a:rPr lang="cs-CZ" smtClean="0"/>
-              <a:t>18.05.2018</a:t>
+              <a:pPr/>
+              <a:t>02.10.2018</a:t>
             </a:fld>
             <a:endParaRPr lang="cs-CZ"/>
           </a:p>
@@ -499,6 +502,7 @@
           <a:p>
             <a:fld id="{F20798C9-71E1-4332-BDD6-7F860F642B04}" type="slidenum">
               <a:rPr lang="cs-CZ" smtClean="0"/>
+              <a:pPr/>
               <a:t>‹#›</a:t>
             </a:fld>
             <a:endParaRPr lang="cs-CZ"/>
@@ -632,7 +636,8 @@
           <a:p>
             <a:fld id="{7A3DF7B3-DACB-4C6A-AA0E-B0BBA0C94F9A}" type="datetimeFigureOut">
               <a:rPr lang="cs-CZ" smtClean="0"/>
-              <a:t>18.05.2018</a:t>
+              <a:pPr/>
+              <a:t>02.10.2018</a:t>
             </a:fld>
             <a:endParaRPr lang="cs-CZ"/>
           </a:p>
@@ -674,6 +679,7 @@
           <a:p>
             <a:fld id="{F20798C9-71E1-4332-BDD6-7F860F642B04}" type="slidenum">
               <a:rPr lang="cs-CZ" smtClean="0"/>
+              <a:pPr/>
               <a:t>‹#›</a:t>
             </a:fld>
             <a:endParaRPr lang="cs-CZ"/>
@@ -797,7 +803,8 @@
           <a:p>
             <a:fld id="{7A3DF7B3-DACB-4C6A-AA0E-B0BBA0C94F9A}" type="datetimeFigureOut">
               <a:rPr lang="cs-CZ" smtClean="0"/>
-              <a:t>18.05.2018</a:t>
+              <a:pPr/>
+              <a:t>02.10.2018</a:t>
             </a:fld>
             <a:endParaRPr lang="cs-CZ"/>
           </a:p>
@@ -839,6 +846,7 @@
           <a:p>
             <a:fld id="{F20798C9-71E1-4332-BDD6-7F860F642B04}" type="slidenum">
               <a:rPr lang="cs-CZ" smtClean="0"/>
+              <a:pPr/>
               <a:t>‹#›</a:t>
             </a:fld>
             <a:endParaRPr lang="cs-CZ"/>
@@ -1038,7 +1046,8 @@
           <a:p>
             <a:fld id="{7A3DF7B3-DACB-4C6A-AA0E-B0BBA0C94F9A}" type="datetimeFigureOut">
               <a:rPr lang="cs-CZ" smtClean="0"/>
-              <a:t>18.05.2018</a:t>
+              <a:pPr/>
+              <a:t>02.10.2018</a:t>
             </a:fld>
             <a:endParaRPr lang="cs-CZ"/>
           </a:p>
@@ -1080,6 +1089,7 @@
           <a:p>
             <a:fld id="{F20798C9-71E1-4332-BDD6-7F860F642B04}" type="slidenum">
               <a:rPr lang="cs-CZ" smtClean="0"/>
+              <a:pPr/>
               <a:t>‹#›</a:t>
             </a:fld>
             <a:endParaRPr lang="cs-CZ"/>
@@ -1321,7 +1331,8 @@
           <a:p>
             <a:fld id="{7A3DF7B3-DACB-4C6A-AA0E-B0BBA0C94F9A}" type="datetimeFigureOut">
               <a:rPr lang="cs-CZ" smtClean="0"/>
-              <a:t>18.05.2018</a:t>
+              <a:pPr/>
+              <a:t>02.10.2018</a:t>
             </a:fld>
             <a:endParaRPr lang="cs-CZ"/>
           </a:p>
@@ -1363,6 +1374,7 @@
           <a:p>
             <a:fld id="{F20798C9-71E1-4332-BDD6-7F860F642B04}" type="slidenum">
               <a:rPr lang="cs-CZ" smtClean="0"/>
+              <a:pPr/>
               <a:t>‹#›</a:t>
             </a:fld>
             <a:endParaRPr lang="cs-CZ"/>
@@ -1738,7 +1750,8 @@
           <a:p>
             <a:fld id="{7A3DF7B3-DACB-4C6A-AA0E-B0BBA0C94F9A}" type="datetimeFigureOut">
               <a:rPr lang="cs-CZ" smtClean="0"/>
-              <a:t>18.05.2018</a:t>
+              <a:pPr/>
+              <a:t>02.10.2018</a:t>
             </a:fld>
             <a:endParaRPr lang="cs-CZ"/>
           </a:p>
@@ -1780,6 +1793,7 @@
           <a:p>
             <a:fld id="{F20798C9-71E1-4332-BDD6-7F860F642B04}" type="slidenum">
               <a:rPr lang="cs-CZ" smtClean="0"/>
+              <a:pPr/>
               <a:t>‹#›</a:t>
             </a:fld>
             <a:endParaRPr lang="cs-CZ"/>
@@ -1851,7 +1865,8 @@
           <a:p>
             <a:fld id="{7A3DF7B3-DACB-4C6A-AA0E-B0BBA0C94F9A}" type="datetimeFigureOut">
               <a:rPr lang="cs-CZ" smtClean="0"/>
-              <a:t>18.05.2018</a:t>
+              <a:pPr/>
+              <a:t>02.10.2018</a:t>
             </a:fld>
             <a:endParaRPr lang="cs-CZ"/>
           </a:p>
@@ -1893,6 +1908,7 @@
           <a:p>
             <a:fld id="{F20798C9-71E1-4332-BDD6-7F860F642B04}" type="slidenum">
               <a:rPr lang="cs-CZ" smtClean="0"/>
+              <a:pPr/>
               <a:t>‹#›</a:t>
             </a:fld>
             <a:endParaRPr lang="cs-CZ"/>
@@ -1941,7 +1957,8 @@
           <a:p>
             <a:fld id="{7A3DF7B3-DACB-4C6A-AA0E-B0BBA0C94F9A}" type="datetimeFigureOut">
               <a:rPr lang="cs-CZ" smtClean="0"/>
-              <a:t>18.05.2018</a:t>
+              <a:pPr/>
+              <a:t>02.10.2018</a:t>
             </a:fld>
             <a:endParaRPr lang="cs-CZ"/>
           </a:p>
@@ -1983,6 +2000,7 @@
           <a:p>
             <a:fld id="{F20798C9-71E1-4332-BDD6-7F860F642B04}" type="slidenum">
               <a:rPr lang="cs-CZ" smtClean="0"/>
+              <a:pPr/>
               <a:t>‹#›</a:t>
             </a:fld>
             <a:endParaRPr lang="cs-CZ"/>
@@ -2213,7 +2231,8 @@
           <a:p>
             <a:fld id="{7A3DF7B3-DACB-4C6A-AA0E-B0BBA0C94F9A}" type="datetimeFigureOut">
               <a:rPr lang="cs-CZ" smtClean="0"/>
-              <a:t>18.05.2018</a:t>
+              <a:pPr/>
+              <a:t>02.10.2018</a:t>
             </a:fld>
             <a:endParaRPr lang="cs-CZ"/>
           </a:p>
@@ -2255,6 +2274,7 @@
           <a:p>
             <a:fld id="{F20798C9-71E1-4332-BDD6-7F860F642B04}" type="slidenum">
               <a:rPr lang="cs-CZ" smtClean="0"/>
+              <a:pPr/>
               <a:t>‹#›</a:t>
             </a:fld>
             <a:endParaRPr lang="cs-CZ"/>
@@ -2461,7 +2481,8 @@
           <a:p>
             <a:fld id="{7A3DF7B3-DACB-4C6A-AA0E-B0BBA0C94F9A}" type="datetimeFigureOut">
               <a:rPr lang="cs-CZ" smtClean="0"/>
-              <a:t>18.05.2018</a:t>
+              <a:pPr/>
+              <a:t>02.10.2018</a:t>
             </a:fld>
             <a:endParaRPr lang="cs-CZ"/>
           </a:p>
@@ -2503,6 +2524,7 @@
           <a:p>
             <a:fld id="{F20798C9-71E1-4332-BDD6-7F860F642B04}" type="slidenum">
               <a:rPr lang="cs-CZ" smtClean="0"/>
+              <a:pPr/>
               <a:t>‹#›</a:t>
             </a:fld>
             <a:endParaRPr lang="cs-CZ"/>
@@ -2669,7 +2691,8 @@
           <a:p>
             <a:fld id="{7A3DF7B3-DACB-4C6A-AA0E-B0BBA0C94F9A}" type="datetimeFigureOut">
               <a:rPr lang="cs-CZ" smtClean="0"/>
-              <a:t>18.05.2018</a:t>
+              <a:pPr/>
+              <a:t>02.10.2018</a:t>
             </a:fld>
             <a:endParaRPr lang="cs-CZ"/>
           </a:p>
@@ -2747,6 +2770,7 @@
           <a:p>
             <a:fld id="{F20798C9-71E1-4332-BDD6-7F860F642B04}" type="slidenum">
               <a:rPr lang="cs-CZ" smtClean="0"/>
+              <a:pPr/>
               <a:t>‹#›</a:t>
             </a:fld>
             <a:endParaRPr lang="cs-CZ"/>
@@ -3154,12 +3178,12 @@
         <p:spPr/>
         <p:txBody>
           <a:bodyPr>
-            <a:normAutofit fontScale="92500"/>
+            <a:normAutofit fontScale="92500" lnSpcReduction="10000"/>
           </a:bodyPr>
           <a:lstStyle/>
           <a:p>
             <a:r>
-              <a:rPr lang="en-GB" dirty="0" err="1" smtClean="0">
+              <a:rPr lang="cs-CZ" dirty="0" smtClean="0">
                 <a:solidFill>
                   <a:schemeClr val="tx2">
                     <a:lumMod val="60000"/>
@@ -3167,10 +3191,10 @@
                   </a:schemeClr>
                 </a:solidFill>
               </a:rPr>
-              <a:t>Predikce</a:t>
-            </a:r>
-            <a:r>
-              <a:rPr lang="en-GB" dirty="0" smtClean="0">
+              <a:t>Vyznačení </a:t>
+            </a:r>
+            <a:r>
+              <a:rPr lang="cs-CZ" smtClean="0">
                 <a:solidFill>
                   <a:schemeClr val="tx2">
                     <a:lumMod val="60000"/>
@@ -3178,7 +3202,7 @@
                   </a:schemeClr>
                 </a:solidFill>
               </a:rPr>
-              <a:t> </a:t>
+              <a:t>korelace hodnot </a:t>
             </a:r>
             <a:r>
               <a:rPr lang="cs-CZ" dirty="0" smtClean="0">
@@ -3189,7 +3213,7 @@
                   </a:schemeClr>
                 </a:solidFill>
               </a:rPr>
-              <a:t>změny dat na základě zadaného vstupu</a:t>
+              <a:t>na základě zadaného vstupu</a:t>
             </a:r>
           </a:p>
           <a:p>
@@ -3239,14 +3263,6 @@
               </a:rPr>
               <a:t> rychlosti přejezdu</a:t>
             </a:r>
-            <a:endParaRPr lang="cs-CZ" dirty="0" smtClean="0">
-              <a:solidFill>
-                <a:schemeClr val="tx2">
-                  <a:lumMod val="60000"/>
-                  <a:lumOff val="40000"/>
-                </a:schemeClr>
-              </a:solidFill>
-            </a:endParaRPr>
           </a:p>
           <a:p>
             <a:r>
@@ -3535,6 +3551,19 @@
             </a:r>
           </a:p>
           <a:p>
+            <a:r>
+              <a:rPr lang="cs-CZ" dirty="0" smtClean="0">
+                <a:solidFill>
+                  <a:schemeClr val="tx2">
+                    <a:lumMod val="60000"/>
+                    <a:lumOff val="40000"/>
+                  </a:schemeClr>
+                </a:solidFill>
+              </a:rPr>
+              <a:t>Rozbor objektu</a:t>
+            </a:r>
+          </a:p>
+          <a:p>
             <a:pPr>
               <a:buNone/>
             </a:pPr>
@@ -3626,7 +3655,9 @@
         </p:nvSpPr>
         <p:spPr/>
         <p:txBody>
-          <a:bodyPr/>
+          <a:bodyPr>
+            <a:normAutofit fontScale="92500"/>
+          </a:bodyPr>
           <a:lstStyle/>
           <a:p>
             <a:r>
@@ -3691,6 +3722,19 @@
                 </a:solidFill>
               </a:rPr>
               <a:t>V případě známé rozteče, rychlá změna rozestupu</a:t>
+            </a:r>
+          </a:p>
+          <a:p>
+            <a:r>
+              <a:rPr lang="cs-CZ" dirty="0" smtClean="0">
+                <a:solidFill>
+                  <a:schemeClr val="tx2">
+                    <a:lumMod val="60000"/>
+                    <a:lumOff val="40000"/>
+                  </a:schemeClr>
+                </a:solidFill>
+              </a:rPr>
+              <a:t>Nabízení nejbližšího možného rozestupu při rotaci</a:t>
             </a:r>
           </a:p>
           <a:p>

--- a/DOC/TISPL_features.pptx
+++ b/DOC/TISPL_features.pptx
@@ -5,11 +5,15 @@
     <p:sldMasterId id="2147483648" r:id="rId1"/>
   </p:sldMasterIdLst>
   <p:sldIdLst>
-    <p:sldId id="256" r:id="rId2"/>
-    <p:sldId id="257" r:id="rId3"/>
-    <p:sldId id="258" r:id="rId4"/>
-    <p:sldId id="259" r:id="rId5"/>
-    <p:sldId id="260" r:id="rId6"/>
+    <p:sldId id="261" r:id="rId2"/>
+    <p:sldId id="265" r:id="rId3"/>
+    <p:sldId id="256" r:id="rId4"/>
+    <p:sldId id="262" r:id="rId5"/>
+    <p:sldId id="264" r:id="rId6"/>
+    <p:sldId id="257" r:id="rId7"/>
+    <p:sldId id="258" r:id="rId8"/>
+    <p:sldId id="259" r:id="rId9"/>
+    <p:sldId id="260" r:id="rId10"/>
   </p:sldIdLst>
   <p:sldSz cx="9144000" cy="6858000" type="screen4x3"/>
   <p:notesSz cx="6858000" cy="9144000"/>
@@ -293,7 +297,7 @@
             <a:fld id="{7A3DF7B3-DACB-4C6A-AA0E-B0BBA0C94F9A}" type="datetimeFigureOut">
               <a:rPr lang="cs-CZ" smtClean="0"/>
               <a:pPr/>
-              <a:t>02.10.2018</a:t>
+              <a:t>11.10.2018</a:t>
             </a:fld>
             <a:endParaRPr lang="cs-CZ"/>
           </a:p>
@@ -460,7 +464,7 @@
             <a:fld id="{7A3DF7B3-DACB-4C6A-AA0E-B0BBA0C94F9A}" type="datetimeFigureOut">
               <a:rPr lang="cs-CZ" smtClean="0"/>
               <a:pPr/>
-              <a:t>02.10.2018</a:t>
+              <a:t>11.10.2018</a:t>
             </a:fld>
             <a:endParaRPr lang="cs-CZ"/>
           </a:p>
@@ -637,7 +641,7 @@
             <a:fld id="{7A3DF7B3-DACB-4C6A-AA0E-B0BBA0C94F9A}" type="datetimeFigureOut">
               <a:rPr lang="cs-CZ" smtClean="0"/>
               <a:pPr/>
-              <a:t>02.10.2018</a:t>
+              <a:t>11.10.2018</a:t>
             </a:fld>
             <a:endParaRPr lang="cs-CZ"/>
           </a:p>
@@ -804,7 +808,7 @@
             <a:fld id="{7A3DF7B3-DACB-4C6A-AA0E-B0BBA0C94F9A}" type="datetimeFigureOut">
               <a:rPr lang="cs-CZ" smtClean="0"/>
               <a:pPr/>
-              <a:t>02.10.2018</a:t>
+              <a:t>11.10.2018</a:t>
             </a:fld>
             <a:endParaRPr lang="cs-CZ"/>
           </a:p>
@@ -1047,7 +1051,7 @@
             <a:fld id="{7A3DF7B3-DACB-4C6A-AA0E-B0BBA0C94F9A}" type="datetimeFigureOut">
               <a:rPr lang="cs-CZ" smtClean="0"/>
               <a:pPr/>
-              <a:t>02.10.2018</a:t>
+              <a:t>11.10.2018</a:t>
             </a:fld>
             <a:endParaRPr lang="cs-CZ"/>
           </a:p>
@@ -1332,7 +1336,7 @@
             <a:fld id="{7A3DF7B3-DACB-4C6A-AA0E-B0BBA0C94F9A}" type="datetimeFigureOut">
               <a:rPr lang="cs-CZ" smtClean="0"/>
               <a:pPr/>
-              <a:t>02.10.2018</a:t>
+              <a:t>11.10.2018</a:t>
             </a:fld>
             <a:endParaRPr lang="cs-CZ"/>
           </a:p>
@@ -1751,7 +1755,7 @@
             <a:fld id="{7A3DF7B3-DACB-4C6A-AA0E-B0BBA0C94F9A}" type="datetimeFigureOut">
               <a:rPr lang="cs-CZ" smtClean="0"/>
               <a:pPr/>
-              <a:t>02.10.2018</a:t>
+              <a:t>11.10.2018</a:t>
             </a:fld>
             <a:endParaRPr lang="cs-CZ"/>
           </a:p>
@@ -1866,7 +1870,7 @@
             <a:fld id="{7A3DF7B3-DACB-4C6A-AA0E-B0BBA0C94F9A}" type="datetimeFigureOut">
               <a:rPr lang="cs-CZ" smtClean="0"/>
               <a:pPr/>
-              <a:t>02.10.2018</a:t>
+              <a:t>11.10.2018</a:t>
             </a:fld>
             <a:endParaRPr lang="cs-CZ"/>
           </a:p>
@@ -1958,7 +1962,7 @@
             <a:fld id="{7A3DF7B3-DACB-4C6A-AA0E-B0BBA0C94F9A}" type="datetimeFigureOut">
               <a:rPr lang="cs-CZ" smtClean="0"/>
               <a:pPr/>
-              <a:t>02.10.2018</a:t>
+              <a:t>11.10.2018</a:t>
             </a:fld>
             <a:endParaRPr lang="cs-CZ"/>
           </a:p>
@@ -2232,7 +2236,7 @@
             <a:fld id="{7A3DF7B3-DACB-4C6A-AA0E-B0BBA0C94F9A}" type="datetimeFigureOut">
               <a:rPr lang="cs-CZ" smtClean="0"/>
               <a:pPr/>
-              <a:t>02.10.2018</a:t>
+              <a:t>11.10.2018</a:t>
             </a:fld>
             <a:endParaRPr lang="cs-CZ"/>
           </a:p>
@@ -2482,7 +2486,7 @@
             <a:fld id="{7A3DF7B3-DACB-4C6A-AA0E-B0BBA0C94F9A}" type="datetimeFigureOut">
               <a:rPr lang="cs-CZ" smtClean="0"/>
               <a:pPr/>
-              <a:t>02.10.2018</a:t>
+              <a:t>11.10.2018</a:t>
             </a:fld>
             <a:endParaRPr lang="cs-CZ"/>
           </a:p>
@@ -2692,7 +2696,7 @@
             <a:fld id="{7A3DF7B3-DACB-4C6A-AA0E-B0BBA0C94F9A}" type="datetimeFigureOut">
               <a:rPr lang="cs-CZ" smtClean="0"/>
               <a:pPr/>
-              <a:t>02.10.2018</a:t>
+              <a:t>11.10.2018</a:t>
             </a:fld>
             <a:endParaRPr lang="cs-CZ"/>
           </a:p>
@@ -3065,12 +3069,244 @@
       </p:grpSpPr>
       <p:sp>
         <p:nvSpPr>
+          <p:cNvPr id="74" name="Obdélník 73"/>
+          <p:cNvSpPr/>
+          <p:nvPr/>
+        </p:nvSpPr>
+        <p:spPr>
+          <a:xfrm>
+            <a:off x="107504" y="1484784"/>
+            <a:ext cx="1368152" cy="2088232"/>
+          </a:xfrm>
+          <a:prstGeom prst="rect">
+            <a:avLst/>
+          </a:prstGeom>
+          <a:solidFill>
+            <a:srgbClr val="FF0000">
+              <a:alpha val="37000"/>
+            </a:srgbClr>
+          </a:solidFill>
+        </p:spPr>
+        <p:style>
+          <a:lnRef idx="2">
+            <a:schemeClr val="accent1">
+              <a:shade val="50000"/>
+            </a:schemeClr>
+          </a:lnRef>
+          <a:fillRef idx="1">
+            <a:schemeClr val="accent1"/>
+          </a:fillRef>
+          <a:effectRef idx="0">
+            <a:schemeClr val="accent1"/>
+          </a:effectRef>
+          <a:fontRef idx="minor">
+            <a:schemeClr val="lt1"/>
+          </a:fontRef>
+        </p:style>
+        <p:txBody>
+          <a:bodyPr rtlCol="0" anchor="ctr"/>
+          <a:lstStyle/>
+          <a:p>
+            <a:pPr algn="ctr"/>
+            <a:endParaRPr lang="cs-CZ" dirty="0" smtClean="0"/>
+          </a:p>
+          <a:p>
+            <a:pPr algn="ctr"/>
+            <a:endParaRPr lang="cs-CZ" dirty="0" smtClean="0"/>
+          </a:p>
+        </p:txBody>
+      </p:sp>
+      <p:sp>
+        <p:nvSpPr>
+          <p:cNvPr id="17" name="Obdélník 16"/>
+          <p:cNvSpPr/>
+          <p:nvPr/>
+        </p:nvSpPr>
+        <p:spPr>
+          <a:xfrm>
+            <a:off x="4067944" y="3356992"/>
+            <a:ext cx="1296144" cy="1440160"/>
+          </a:xfrm>
+          <a:prstGeom prst="rect">
+            <a:avLst/>
+          </a:prstGeom>
+          <a:solidFill>
+            <a:srgbClr val="FF0000">
+              <a:alpha val="36000"/>
+            </a:srgbClr>
+          </a:solidFill>
+        </p:spPr>
+        <p:style>
+          <a:lnRef idx="2">
+            <a:schemeClr val="accent1">
+              <a:shade val="50000"/>
+            </a:schemeClr>
+          </a:lnRef>
+          <a:fillRef idx="1">
+            <a:schemeClr val="accent1"/>
+          </a:fillRef>
+          <a:effectRef idx="0">
+            <a:schemeClr val="accent1"/>
+          </a:effectRef>
+          <a:fontRef idx="minor">
+            <a:schemeClr val="lt1"/>
+          </a:fontRef>
+        </p:style>
+        <p:txBody>
+          <a:bodyPr rtlCol="0" anchor="ctr"/>
+          <a:lstStyle/>
+          <a:p>
+            <a:pPr algn="ctr"/>
+            <a:endParaRPr lang="cs-CZ" dirty="0" smtClean="0"/>
+          </a:p>
+          <a:p>
+            <a:pPr algn="ctr"/>
+            <a:endParaRPr lang="cs-CZ" dirty="0" smtClean="0"/>
+          </a:p>
+          <a:p>
+            <a:pPr algn="ctr"/>
+            <a:r>
+              <a:rPr lang="cs-CZ" dirty="0" err="1" smtClean="0"/>
+              <a:t>Glob</a:t>
+            </a:r>
+            <a:r>
+              <a:rPr lang="cs-CZ" dirty="0" smtClean="0"/>
+              <a:t>. </a:t>
+            </a:r>
+            <a:r>
+              <a:rPr lang="cs-CZ" dirty="0" smtClean="0"/>
+              <a:t>v</a:t>
+            </a:r>
+            <a:r>
+              <a:rPr lang="cs-CZ" dirty="0" smtClean="0"/>
+              <a:t>alidace </a:t>
+            </a:r>
+            <a:endParaRPr lang="cs-CZ" dirty="0"/>
+          </a:p>
+        </p:txBody>
+      </p:sp>
+      <p:sp>
+        <p:nvSpPr>
+          <p:cNvPr id="14" name="Obdélník 13"/>
+          <p:cNvSpPr/>
+          <p:nvPr/>
+        </p:nvSpPr>
+        <p:spPr>
+          <a:xfrm>
+            <a:off x="2555776" y="1628800"/>
+            <a:ext cx="1584176" cy="1224136"/>
+          </a:xfrm>
+          <a:prstGeom prst="rect">
+            <a:avLst/>
+          </a:prstGeom>
+          <a:solidFill>
+            <a:srgbClr val="FF0000">
+              <a:alpha val="37000"/>
+            </a:srgbClr>
+          </a:solidFill>
+        </p:spPr>
+        <p:style>
+          <a:lnRef idx="2">
+            <a:schemeClr val="accent1">
+              <a:shade val="50000"/>
+            </a:schemeClr>
+          </a:lnRef>
+          <a:fillRef idx="1">
+            <a:schemeClr val="accent1"/>
+          </a:fillRef>
+          <a:effectRef idx="0">
+            <a:schemeClr val="accent1"/>
+          </a:effectRef>
+          <a:fontRef idx="minor">
+            <a:schemeClr val="lt1"/>
+          </a:fontRef>
+        </p:style>
+        <p:txBody>
+          <a:bodyPr rtlCol="0" anchor="ctr"/>
+          <a:lstStyle/>
+          <a:p>
+            <a:pPr algn="ctr"/>
+            <a:endParaRPr lang="cs-CZ" dirty="0" smtClean="0"/>
+          </a:p>
+          <a:p>
+            <a:pPr algn="ctr"/>
+            <a:endParaRPr lang="cs-CZ" dirty="0" smtClean="0"/>
+          </a:p>
+          <a:p>
+            <a:pPr algn="ctr"/>
+            <a:r>
+              <a:rPr lang="cs-CZ" dirty="0" smtClean="0"/>
+              <a:t>Validace PL</a:t>
+            </a:r>
+            <a:endParaRPr lang="cs-CZ" dirty="0"/>
+          </a:p>
+        </p:txBody>
+      </p:sp>
+      <p:sp>
+        <p:nvSpPr>
+          <p:cNvPr id="13" name="Obdélník 12"/>
+          <p:cNvSpPr/>
+          <p:nvPr/>
+        </p:nvSpPr>
+        <p:spPr>
+          <a:xfrm>
+            <a:off x="5364088" y="1628800"/>
+            <a:ext cx="1656184" cy="1224136"/>
+          </a:xfrm>
+          <a:prstGeom prst="rect">
+            <a:avLst/>
+          </a:prstGeom>
+          <a:solidFill>
+            <a:srgbClr val="FF0000">
+              <a:alpha val="36000"/>
+            </a:srgbClr>
+          </a:solidFill>
+        </p:spPr>
+        <p:style>
+          <a:lnRef idx="2">
+            <a:schemeClr val="accent1">
+              <a:shade val="50000"/>
+            </a:schemeClr>
+          </a:lnRef>
+          <a:fillRef idx="1">
+            <a:schemeClr val="accent1"/>
+          </a:fillRef>
+          <a:effectRef idx="0">
+            <a:schemeClr val="accent1"/>
+          </a:effectRef>
+          <a:fontRef idx="minor">
+            <a:schemeClr val="lt1"/>
+          </a:fontRef>
+        </p:style>
+        <p:txBody>
+          <a:bodyPr rtlCol="0" anchor="ctr"/>
+          <a:lstStyle/>
+          <a:p>
+            <a:pPr algn="ctr"/>
+            <a:endParaRPr lang="cs-CZ" dirty="0" smtClean="0"/>
+          </a:p>
+          <a:p>
+            <a:pPr algn="ctr"/>
+            <a:endParaRPr lang="cs-CZ" dirty="0" smtClean="0"/>
+          </a:p>
+          <a:p>
+            <a:pPr algn="ctr"/>
+            <a:r>
+              <a:rPr lang="cs-CZ" dirty="0" smtClean="0"/>
+              <a:t>Validace PO</a:t>
+            </a:r>
+            <a:endParaRPr lang="cs-CZ" dirty="0"/>
+          </a:p>
+        </p:txBody>
+      </p:sp>
+      <p:sp>
+        <p:nvSpPr>
           <p:cNvPr id="2" name="Nadpis 1"/>
           <p:cNvSpPr>
             <a:spLocks noGrp="1"/>
           </p:cNvSpPr>
           <p:nvPr>
-            <p:ph type="ctrTitle"/>
+            <p:ph type="title"/>
           </p:nvPr>
         </p:nvSpPr>
         <p:spPr/>
@@ -3080,7 +3316,7 @@
           <a:p>
             <a:r>
               <a:rPr lang="cs-CZ" dirty="0" smtClean="0"/>
-              <a:t>Parametry objektu</a:t>
+              <a:t>TISPL - model</a:t>
             </a:r>
             <a:endParaRPr lang="cs-CZ" dirty="0"/>
           </a:p>
@@ -3088,24 +3324,1198 @@
       </p:sp>
       <p:sp>
         <p:nvSpPr>
-          <p:cNvPr id="3" name="Podnadpis 2"/>
-          <p:cNvSpPr>
-            <a:spLocks noGrp="1"/>
-          </p:cNvSpPr>
-          <p:nvPr>
-            <p:ph type="subTitle" idx="1"/>
-          </p:nvPr>
-        </p:nvSpPr>
-        <p:spPr/>
-        <p:txBody>
-          <a:bodyPr/>
-          <a:lstStyle/>
-          <a:p>
-            <a:r>
-              <a:rPr lang="cs-CZ" dirty="0" err="1" smtClean="0"/>
-              <a:t>features</a:t>
+          <p:cNvPr id="4" name="Obdélník 3"/>
+          <p:cNvSpPr/>
+          <p:nvPr/>
+        </p:nvSpPr>
+        <p:spPr>
+          <a:xfrm>
+            <a:off x="4211960" y="3429000"/>
+            <a:ext cx="1008112" cy="648072"/>
+          </a:xfrm>
+          <a:prstGeom prst="rect">
+            <a:avLst/>
+          </a:prstGeom>
+        </p:spPr>
+        <p:style>
+          <a:lnRef idx="2">
+            <a:schemeClr val="accent1">
+              <a:shade val="50000"/>
+            </a:schemeClr>
+          </a:lnRef>
+          <a:fillRef idx="1">
+            <a:schemeClr val="accent1"/>
+          </a:fillRef>
+          <a:effectRef idx="0">
+            <a:schemeClr val="accent1"/>
+          </a:effectRef>
+          <a:fontRef idx="minor">
+            <a:schemeClr val="lt1"/>
+          </a:fontRef>
+        </p:style>
+        <p:txBody>
+          <a:bodyPr rtlCol="0" anchor="ctr"/>
+          <a:lstStyle/>
+          <a:p>
+            <a:pPr algn="ctr"/>
+            <a:r>
+              <a:rPr lang="cs-CZ" dirty="0" smtClean="0"/>
+              <a:t>Schéma</a:t>
             </a:r>
             <a:endParaRPr lang="cs-CZ" dirty="0"/>
+          </a:p>
+        </p:txBody>
+      </p:sp>
+      <p:sp>
+        <p:nvSpPr>
+          <p:cNvPr id="6" name="Zástupný symbol pro obsah 5"/>
+          <p:cNvSpPr>
+            <a:spLocks noGrp="1"/>
+          </p:cNvSpPr>
+          <p:nvPr>
+            <p:ph idx="1"/>
+          </p:nvPr>
+        </p:nvSpPr>
+        <p:spPr>
+          <a:xfrm>
+            <a:off x="5436096" y="1700808"/>
+            <a:ext cx="1512168" cy="648072"/>
+          </a:xfrm>
+          <a:prstGeom prst="rect">
+            <a:avLst/>
+          </a:prstGeom>
+        </p:spPr>
+        <p:style>
+          <a:lnRef idx="2">
+            <a:schemeClr val="accent1">
+              <a:shade val="50000"/>
+            </a:schemeClr>
+          </a:lnRef>
+          <a:fillRef idx="1">
+            <a:schemeClr val="accent1"/>
+          </a:fillRef>
+          <a:effectRef idx="0">
+            <a:schemeClr val="accent1"/>
+          </a:effectRef>
+          <a:fontRef idx="minor">
+            <a:schemeClr val="lt1"/>
+          </a:fontRef>
+        </p:style>
+        <p:txBody>
+          <a:bodyPr rtlCol="0" anchor="ctr">
+            <a:noAutofit/>
+          </a:bodyPr>
+          <a:lstStyle/>
+          <a:p>
+            <a:pPr algn="ctr">
+              <a:buNone/>
+            </a:pPr>
+            <a:r>
+              <a:rPr lang="cs-CZ" sz="2000" dirty="0" smtClean="0"/>
+              <a:t>Parametry OBJEKTU</a:t>
+            </a:r>
+            <a:endParaRPr lang="cs-CZ" sz="2000" dirty="0"/>
+          </a:p>
+        </p:txBody>
+      </p:sp>
+      <p:sp>
+        <p:nvSpPr>
+          <p:cNvPr id="7" name="Zástupný symbol pro obsah 5"/>
+          <p:cNvSpPr txBox="1">
+            <a:spLocks/>
+          </p:cNvSpPr>
+          <p:nvPr/>
+        </p:nvSpPr>
+        <p:spPr>
+          <a:xfrm>
+            <a:off x="2627784" y="1700808"/>
+            <a:ext cx="1440159" cy="648072"/>
+          </a:xfrm>
+          <a:prstGeom prst="rect">
+            <a:avLst/>
+          </a:prstGeom>
+        </p:spPr>
+        <p:style>
+          <a:lnRef idx="2">
+            <a:schemeClr val="accent1">
+              <a:shade val="50000"/>
+            </a:schemeClr>
+          </a:lnRef>
+          <a:fillRef idx="1">
+            <a:schemeClr val="accent1"/>
+          </a:fillRef>
+          <a:effectRef idx="0">
+            <a:schemeClr val="accent1"/>
+          </a:effectRef>
+          <a:fontRef idx="minor">
+            <a:schemeClr val="lt1"/>
+          </a:fontRef>
+        </p:style>
+        <p:txBody>
+          <a:bodyPr vert="horz" lIns="91440" tIns="45720" rIns="91440" bIns="45720" rtlCol="0" anchor="ctr">
+            <a:noAutofit/>
+          </a:bodyPr>
+          <a:lstStyle/>
+          <a:p>
+            <a:pPr marL="342900" marR="0" lvl="0" indent="-342900" algn="ctr" defTabSz="914400" rtl="0" eaLnBrk="1" fontAlgn="auto" latinLnBrk="0" hangingPunct="1">
+              <a:lnSpc>
+                <a:spcPct val="100000"/>
+              </a:lnSpc>
+              <a:spcBef>
+                <a:spcPct val="20000"/>
+              </a:spcBef>
+              <a:spcAft>
+                <a:spcPts val="0"/>
+              </a:spcAft>
+              <a:buClrTx/>
+              <a:buSzTx/>
+              <a:buFont typeface="Arial" pitchFamily="34" charset="0"/>
+              <a:buNone/>
+              <a:tabLst/>
+              <a:defRPr/>
+            </a:pPr>
+            <a:r>
+              <a:rPr kumimoji="0" lang="cs-CZ" sz="2000" b="0" i="0" u="none" strike="noStrike" kern="1200" cap="none" spc="0" normalizeH="0" baseline="0" noProof="0" dirty="0" smtClean="0">
+                <a:ln>
+                  <a:noFill/>
+                </a:ln>
+                <a:solidFill>
+                  <a:schemeClr val="lt1"/>
+                </a:solidFill>
+                <a:effectLst/>
+                <a:uLnTx/>
+                <a:uFillTx/>
+                <a:latin typeface="+mn-lt"/>
+                <a:ea typeface="+mn-ea"/>
+                <a:cs typeface="+mn-cs"/>
+              </a:rPr>
+              <a:t>Parametry LINKY</a:t>
+            </a:r>
+            <a:endParaRPr kumimoji="0" lang="cs-CZ" sz="2000" b="0" i="0" u="none" strike="noStrike" kern="1200" cap="none" spc="0" normalizeH="0" baseline="0" noProof="0" dirty="0">
+              <a:ln>
+                <a:noFill/>
+              </a:ln>
+              <a:solidFill>
+                <a:schemeClr val="lt1"/>
+              </a:solidFill>
+              <a:effectLst/>
+              <a:uLnTx/>
+              <a:uFillTx/>
+              <a:latin typeface="+mn-lt"/>
+              <a:ea typeface="+mn-ea"/>
+              <a:cs typeface="+mn-cs"/>
+            </a:endParaRPr>
+          </a:p>
+        </p:txBody>
+      </p:sp>
+      <p:sp>
+        <p:nvSpPr>
+          <p:cNvPr id="9" name="Zástupný symbol pro obsah 5"/>
+          <p:cNvSpPr txBox="1">
+            <a:spLocks/>
+          </p:cNvSpPr>
+          <p:nvPr/>
+        </p:nvSpPr>
+        <p:spPr>
+          <a:xfrm>
+            <a:off x="179512" y="1628800"/>
+            <a:ext cx="1152127" cy="360040"/>
+          </a:xfrm>
+          <a:prstGeom prst="rect">
+            <a:avLst/>
+          </a:prstGeom>
+        </p:spPr>
+        <p:style>
+          <a:lnRef idx="2">
+            <a:schemeClr val="accent1">
+              <a:shade val="50000"/>
+            </a:schemeClr>
+          </a:lnRef>
+          <a:fillRef idx="1">
+            <a:schemeClr val="accent1"/>
+          </a:fillRef>
+          <a:effectRef idx="0">
+            <a:schemeClr val="accent1"/>
+          </a:effectRef>
+          <a:fontRef idx="minor">
+            <a:schemeClr val="lt1"/>
+          </a:fontRef>
+        </p:style>
+        <p:txBody>
+          <a:bodyPr vert="horz" lIns="91440" tIns="45720" rIns="91440" bIns="45720" rtlCol="0" anchor="ctr">
+            <a:noAutofit/>
+          </a:bodyPr>
+          <a:lstStyle/>
+          <a:p>
+            <a:pPr marL="342900" marR="0" lvl="0" indent="-342900" algn="ctr" defTabSz="914400" rtl="0" eaLnBrk="1" fontAlgn="auto" latinLnBrk="0" hangingPunct="1">
+              <a:lnSpc>
+                <a:spcPct val="100000"/>
+              </a:lnSpc>
+              <a:spcBef>
+                <a:spcPct val="20000"/>
+              </a:spcBef>
+              <a:spcAft>
+                <a:spcPts val="0"/>
+              </a:spcAft>
+              <a:buClrTx/>
+              <a:buSzTx/>
+              <a:buFont typeface="Arial" pitchFamily="34" charset="0"/>
+              <a:buNone/>
+              <a:tabLst/>
+              <a:defRPr/>
+            </a:pPr>
+            <a:r>
+              <a:rPr kumimoji="0" lang="cs-CZ" sz="2000" b="0" i="0" u="none" strike="noStrike" kern="1200" cap="none" spc="0" normalizeH="0" baseline="0" noProof="0" dirty="0" smtClean="0">
+                <a:ln>
+                  <a:noFill/>
+                </a:ln>
+                <a:solidFill>
+                  <a:schemeClr val="lt1"/>
+                </a:solidFill>
+                <a:effectLst/>
+                <a:uLnTx/>
+                <a:uFillTx/>
+                <a:latin typeface="+mn-lt"/>
+                <a:ea typeface="+mn-ea"/>
+                <a:cs typeface="+mn-cs"/>
+              </a:rPr>
+              <a:t>GAPO TT</a:t>
+            </a:r>
+          </a:p>
+        </p:txBody>
+      </p:sp>
+      <p:sp>
+        <p:nvSpPr>
+          <p:cNvPr id="10" name="Zástupný symbol pro obsah 5"/>
+          <p:cNvSpPr txBox="1">
+            <a:spLocks/>
+          </p:cNvSpPr>
+          <p:nvPr/>
+        </p:nvSpPr>
+        <p:spPr>
+          <a:xfrm>
+            <a:off x="179512" y="2348880"/>
+            <a:ext cx="1152127" cy="360040"/>
+          </a:xfrm>
+          <a:prstGeom prst="rect">
+            <a:avLst/>
+          </a:prstGeom>
+        </p:spPr>
+        <p:style>
+          <a:lnRef idx="2">
+            <a:schemeClr val="accent1">
+              <a:shade val="50000"/>
+            </a:schemeClr>
+          </a:lnRef>
+          <a:fillRef idx="1">
+            <a:schemeClr val="accent1"/>
+          </a:fillRef>
+          <a:effectRef idx="0">
+            <a:schemeClr val="accent1"/>
+          </a:effectRef>
+          <a:fontRef idx="minor">
+            <a:schemeClr val="lt1"/>
+          </a:fontRef>
+        </p:style>
+        <p:txBody>
+          <a:bodyPr vert="horz" lIns="91440" tIns="45720" rIns="91440" bIns="45720" rtlCol="0" anchor="ctr">
+            <a:noAutofit/>
+          </a:bodyPr>
+          <a:lstStyle/>
+          <a:p>
+            <a:pPr marL="342900" marR="0" lvl="0" indent="-342900" algn="ctr" defTabSz="914400" rtl="0" eaLnBrk="1" fontAlgn="auto" latinLnBrk="0" hangingPunct="1">
+              <a:lnSpc>
+                <a:spcPct val="100000"/>
+              </a:lnSpc>
+              <a:spcBef>
+                <a:spcPct val="20000"/>
+              </a:spcBef>
+              <a:spcAft>
+                <a:spcPts val="0"/>
+              </a:spcAft>
+              <a:buClrTx/>
+              <a:buSzTx/>
+              <a:buFont typeface="Arial" pitchFamily="34" charset="0"/>
+              <a:buNone/>
+              <a:tabLst/>
+              <a:defRPr/>
+            </a:pPr>
+            <a:r>
+              <a:rPr kumimoji="0" lang="cs-CZ" sz="2000" b="0" i="0" u="none" strike="noStrike" kern="1200" cap="none" spc="0" normalizeH="0" baseline="0" noProof="0" dirty="0" smtClean="0">
+                <a:ln>
+                  <a:noFill/>
+                </a:ln>
+                <a:solidFill>
+                  <a:schemeClr val="lt1"/>
+                </a:solidFill>
+                <a:effectLst/>
+                <a:uLnTx/>
+                <a:uFillTx/>
+                <a:latin typeface="+mn-lt"/>
+                <a:ea typeface="+mn-ea"/>
+                <a:cs typeface="+mn-cs"/>
+              </a:rPr>
+              <a:t>GAPO V</a:t>
+            </a:r>
+          </a:p>
+        </p:txBody>
+      </p:sp>
+      <p:sp>
+        <p:nvSpPr>
+          <p:cNvPr id="11" name="Zástupný symbol pro obsah 5"/>
+          <p:cNvSpPr txBox="1">
+            <a:spLocks/>
+          </p:cNvSpPr>
+          <p:nvPr/>
+        </p:nvSpPr>
+        <p:spPr>
+          <a:xfrm>
+            <a:off x="179512" y="3068960"/>
+            <a:ext cx="1152127" cy="360040"/>
+          </a:xfrm>
+          <a:prstGeom prst="rect">
+            <a:avLst/>
+          </a:prstGeom>
+        </p:spPr>
+        <p:style>
+          <a:lnRef idx="2">
+            <a:schemeClr val="accent1">
+              <a:shade val="50000"/>
+            </a:schemeClr>
+          </a:lnRef>
+          <a:fillRef idx="1">
+            <a:schemeClr val="accent1"/>
+          </a:fillRef>
+          <a:effectRef idx="0">
+            <a:schemeClr val="accent1"/>
+          </a:effectRef>
+          <a:fontRef idx="minor">
+            <a:schemeClr val="lt1"/>
+          </a:fontRef>
+        </p:style>
+        <p:txBody>
+          <a:bodyPr vert="horz" lIns="91440" tIns="45720" rIns="91440" bIns="45720" rtlCol="0" anchor="ctr">
+            <a:noAutofit/>
+          </a:bodyPr>
+          <a:lstStyle/>
+          <a:p>
+            <a:pPr marL="342900" marR="0" lvl="0" indent="-342900" algn="ctr" defTabSz="914400" rtl="0" eaLnBrk="1" fontAlgn="auto" latinLnBrk="0" hangingPunct="1">
+              <a:lnSpc>
+                <a:spcPct val="100000"/>
+              </a:lnSpc>
+              <a:spcBef>
+                <a:spcPct val="20000"/>
+              </a:spcBef>
+              <a:spcAft>
+                <a:spcPts val="0"/>
+              </a:spcAft>
+              <a:buClrTx/>
+              <a:buSzTx/>
+              <a:buFont typeface="Arial" pitchFamily="34" charset="0"/>
+              <a:buNone/>
+              <a:tabLst/>
+              <a:defRPr/>
+            </a:pPr>
+            <a:r>
+              <a:rPr kumimoji="0" lang="cs-CZ" sz="2000" b="0" i="0" u="none" strike="noStrike" kern="1200" cap="none" spc="0" normalizeH="0" baseline="0" noProof="0" dirty="0" smtClean="0">
+                <a:ln>
+                  <a:noFill/>
+                </a:ln>
+                <a:solidFill>
+                  <a:schemeClr val="lt1"/>
+                </a:solidFill>
+                <a:effectLst/>
+                <a:uLnTx/>
+                <a:uFillTx/>
+                <a:latin typeface="+mn-lt"/>
+                <a:ea typeface="+mn-ea"/>
+                <a:cs typeface="+mn-cs"/>
+              </a:rPr>
+              <a:t>GAPO R</a:t>
+            </a:r>
+          </a:p>
+        </p:txBody>
+      </p:sp>
+      <p:sp>
+        <p:nvSpPr>
+          <p:cNvPr id="12" name="Obdélník 11"/>
+          <p:cNvSpPr/>
+          <p:nvPr/>
+        </p:nvSpPr>
+        <p:spPr>
+          <a:xfrm>
+            <a:off x="6660232" y="3429000"/>
+            <a:ext cx="1008112" cy="648072"/>
+          </a:xfrm>
+          <a:prstGeom prst="rect">
+            <a:avLst/>
+          </a:prstGeom>
+        </p:spPr>
+        <p:style>
+          <a:lnRef idx="2">
+            <a:schemeClr val="accent1">
+              <a:shade val="50000"/>
+            </a:schemeClr>
+          </a:lnRef>
+          <a:fillRef idx="1">
+            <a:schemeClr val="accent1"/>
+          </a:fillRef>
+          <a:effectRef idx="0">
+            <a:schemeClr val="accent1"/>
+          </a:effectRef>
+          <a:fontRef idx="minor">
+            <a:schemeClr val="lt1"/>
+          </a:fontRef>
+        </p:style>
+        <p:txBody>
+          <a:bodyPr rtlCol="0" anchor="ctr"/>
+          <a:lstStyle/>
+          <a:p>
+            <a:pPr algn="ctr"/>
+            <a:r>
+              <a:rPr lang="cs-CZ" dirty="0" smtClean="0"/>
+              <a:t>Časové osy</a:t>
+            </a:r>
+            <a:endParaRPr lang="cs-CZ" dirty="0"/>
+          </a:p>
+        </p:txBody>
+      </p:sp>
+      <p:sp>
+        <p:nvSpPr>
+          <p:cNvPr id="15" name="Zástupný symbol pro obsah 5"/>
+          <p:cNvSpPr txBox="1">
+            <a:spLocks/>
+          </p:cNvSpPr>
+          <p:nvPr/>
+        </p:nvSpPr>
+        <p:spPr>
+          <a:xfrm>
+            <a:off x="7524328" y="2276872"/>
+            <a:ext cx="1440160" cy="432048"/>
+          </a:xfrm>
+          <a:prstGeom prst="rect">
+            <a:avLst/>
+          </a:prstGeom>
+        </p:spPr>
+        <p:style>
+          <a:lnRef idx="2">
+            <a:schemeClr val="accent1">
+              <a:shade val="50000"/>
+            </a:schemeClr>
+          </a:lnRef>
+          <a:fillRef idx="1">
+            <a:schemeClr val="accent1"/>
+          </a:fillRef>
+          <a:effectRef idx="0">
+            <a:schemeClr val="accent1"/>
+          </a:effectRef>
+          <a:fontRef idx="minor">
+            <a:schemeClr val="lt1"/>
+          </a:fontRef>
+        </p:style>
+        <p:txBody>
+          <a:bodyPr vert="horz" lIns="91440" tIns="45720" rIns="91440" bIns="45720" rtlCol="0" anchor="ctr">
+            <a:noAutofit/>
+          </a:bodyPr>
+          <a:lstStyle/>
+          <a:p>
+            <a:pPr marL="342900" marR="0" lvl="0" indent="-342900" algn="ctr" defTabSz="914400" rtl="0" eaLnBrk="1" fontAlgn="auto" latinLnBrk="0" hangingPunct="1">
+              <a:lnSpc>
+                <a:spcPct val="100000"/>
+              </a:lnSpc>
+              <a:spcBef>
+                <a:spcPct val="20000"/>
+              </a:spcBef>
+              <a:spcAft>
+                <a:spcPts val="0"/>
+              </a:spcAft>
+              <a:buClrTx/>
+              <a:buSzTx/>
+              <a:buFont typeface="Arial" pitchFamily="34" charset="0"/>
+              <a:buNone/>
+              <a:tabLst/>
+              <a:defRPr/>
+            </a:pPr>
+            <a:r>
+              <a:rPr kumimoji="0" lang="cs-CZ" sz="1600" b="0" i="0" u="none" strike="noStrike" kern="1200" cap="none" spc="0" normalizeH="0" baseline="0" noProof="0" dirty="0" smtClean="0">
+                <a:ln>
+                  <a:noFill/>
+                </a:ln>
+                <a:solidFill>
+                  <a:schemeClr val="lt1"/>
+                </a:solidFill>
+                <a:effectLst/>
+                <a:uLnTx/>
+                <a:uFillTx/>
+                <a:latin typeface="+mn-lt"/>
+                <a:ea typeface="+mn-ea"/>
+                <a:cs typeface="+mn-cs"/>
+              </a:rPr>
+              <a:t>Náhled</a:t>
+            </a:r>
+            <a:r>
+              <a:rPr kumimoji="0" lang="cs-CZ" sz="1600" b="0" i="0" u="none" strike="noStrike" kern="1200" cap="none" spc="0" normalizeH="0" noProof="0" dirty="0" smtClean="0">
+                <a:ln>
+                  <a:noFill/>
+                </a:ln>
+                <a:solidFill>
+                  <a:schemeClr val="lt1"/>
+                </a:solidFill>
+                <a:effectLst/>
+                <a:uLnTx/>
+                <a:uFillTx/>
+                <a:latin typeface="+mn-lt"/>
+                <a:ea typeface="+mn-ea"/>
+                <a:cs typeface="+mn-cs"/>
+              </a:rPr>
+              <a:t> kabiny</a:t>
+            </a:r>
+            <a:endParaRPr kumimoji="0" lang="cs-CZ" sz="1600" b="0" i="0" u="none" strike="noStrike" kern="1200" cap="none" spc="0" normalizeH="0" baseline="0" noProof="0" dirty="0" smtClean="0">
+              <a:ln>
+                <a:noFill/>
+              </a:ln>
+              <a:solidFill>
+                <a:schemeClr val="lt1"/>
+              </a:solidFill>
+              <a:effectLst/>
+              <a:uLnTx/>
+              <a:uFillTx/>
+              <a:latin typeface="+mn-lt"/>
+              <a:ea typeface="+mn-ea"/>
+              <a:cs typeface="+mn-cs"/>
+            </a:endParaRPr>
+          </a:p>
+        </p:txBody>
+      </p:sp>
+      <p:sp>
+        <p:nvSpPr>
+          <p:cNvPr id="16" name="Zástupný symbol pro obsah 5"/>
+          <p:cNvSpPr txBox="1">
+            <a:spLocks/>
+          </p:cNvSpPr>
+          <p:nvPr/>
+        </p:nvSpPr>
+        <p:spPr>
+          <a:xfrm>
+            <a:off x="7524328" y="1556792"/>
+            <a:ext cx="1440160" cy="432048"/>
+          </a:xfrm>
+          <a:prstGeom prst="rect">
+            <a:avLst/>
+          </a:prstGeom>
+        </p:spPr>
+        <p:style>
+          <a:lnRef idx="2">
+            <a:schemeClr val="accent1">
+              <a:shade val="50000"/>
+            </a:schemeClr>
+          </a:lnRef>
+          <a:fillRef idx="1">
+            <a:schemeClr val="accent1"/>
+          </a:fillRef>
+          <a:effectRef idx="0">
+            <a:schemeClr val="accent1"/>
+          </a:effectRef>
+          <a:fontRef idx="minor">
+            <a:schemeClr val="lt1"/>
+          </a:fontRef>
+        </p:style>
+        <p:txBody>
+          <a:bodyPr vert="horz" lIns="91440" tIns="45720" rIns="91440" bIns="45720" rtlCol="0" anchor="ctr">
+            <a:noAutofit/>
+          </a:bodyPr>
+          <a:lstStyle/>
+          <a:p>
+            <a:pPr marL="342900" marR="0" lvl="0" indent="-342900" algn="ctr" defTabSz="914400" rtl="0" eaLnBrk="1" fontAlgn="auto" latinLnBrk="0" hangingPunct="1">
+              <a:lnSpc>
+                <a:spcPct val="100000"/>
+              </a:lnSpc>
+              <a:spcBef>
+                <a:spcPct val="20000"/>
+              </a:spcBef>
+              <a:spcAft>
+                <a:spcPts val="0"/>
+              </a:spcAft>
+              <a:buClrTx/>
+              <a:buSzTx/>
+              <a:buFont typeface="Arial" pitchFamily="34" charset="0"/>
+              <a:buNone/>
+              <a:tabLst/>
+              <a:defRPr/>
+            </a:pPr>
+            <a:r>
+              <a:rPr lang="cs-CZ" sz="1600" dirty="0" smtClean="0"/>
+              <a:t>Rozbor objektu</a:t>
+            </a:r>
+            <a:endParaRPr kumimoji="0" lang="cs-CZ" sz="1600" b="0" i="0" u="none" strike="noStrike" kern="1200" cap="none" spc="0" normalizeH="0" baseline="0" noProof="0" dirty="0" smtClean="0">
+              <a:ln>
+                <a:noFill/>
+              </a:ln>
+              <a:solidFill>
+                <a:schemeClr val="lt1"/>
+              </a:solidFill>
+              <a:effectLst/>
+              <a:uLnTx/>
+              <a:uFillTx/>
+              <a:latin typeface="+mn-lt"/>
+              <a:ea typeface="+mn-ea"/>
+              <a:cs typeface="+mn-cs"/>
+            </a:endParaRPr>
+          </a:p>
+        </p:txBody>
+      </p:sp>
+      <p:sp>
+        <p:nvSpPr>
+          <p:cNvPr id="18" name="Obdélník 17"/>
+          <p:cNvSpPr/>
+          <p:nvPr/>
+        </p:nvSpPr>
+        <p:spPr>
+          <a:xfrm>
+            <a:off x="2699792" y="5733256"/>
+            <a:ext cx="1080120" cy="576064"/>
+          </a:xfrm>
+          <a:prstGeom prst="rect">
+            <a:avLst/>
+          </a:prstGeom>
+        </p:spPr>
+        <p:style>
+          <a:lnRef idx="2">
+            <a:schemeClr val="accent1">
+              <a:shade val="50000"/>
+            </a:schemeClr>
+          </a:lnRef>
+          <a:fillRef idx="1">
+            <a:schemeClr val="accent1"/>
+          </a:fillRef>
+          <a:effectRef idx="0">
+            <a:schemeClr val="accent1"/>
+          </a:effectRef>
+          <a:fontRef idx="minor">
+            <a:schemeClr val="lt1"/>
+          </a:fontRef>
+        </p:style>
+        <p:txBody>
+          <a:bodyPr rtlCol="0" anchor="ctr"/>
+          <a:lstStyle/>
+          <a:p>
+            <a:pPr algn="ctr"/>
+            <a:r>
+              <a:rPr lang="cs-CZ" dirty="0" smtClean="0"/>
+              <a:t>Report</a:t>
+            </a:r>
+            <a:endParaRPr lang="cs-CZ" dirty="0" smtClean="0"/>
+          </a:p>
+        </p:txBody>
+      </p:sp>
+      <p:sp>
+        <p:nvSpPr>
+          <p:cNvPr id="19" name="Obdélník 18"/>
+          <p:cNvSpPr/>
+          <p:nvPr/>
+        </p:nvSpPr>
+        <p:spPr>
+          <a:xfrm>
+            <a:off x="5004048" y="5733256"/>
+            <a:ext cx="1080120" cy="576064"/>
+          </a:xfrm>
+          <a:prstGeom prst="rect">
+            <a:avLst/>
+          </a:prstGeom>
+        </p:spPr>
+        <p:style>
+          <a:lnRef idx="2">
+            <a:schemeClr val="accent1">
+              <a:shade val="50000"/>
+            </a:schemeClr>
+          </a:lnRef>
+          <a:fillRef idx="1">
+            <a:schemeClr val="accent1"/>
+          </a:fillRef>
+          <a:effectRef idx="0">
+            <a:schemeClr val="accent1"/>
+          </a:effectRef>
+          <a:fontRef idx="minor">
+            <a:schemeClr val="lt1"/>
+          </a:fontRef>
+        </p:style>
+        <p:txBody>
+          <a:bodyPr rtlCol="0" anchor="ctr"/>
+          <a:lstStyle/>
+          <a:p>
+            <a:pPr algn="ctr"/>
+            <a:r>
+              <a:rPr lang="cs-CZ" dirty="0" smtClean="0"/>
+              <a:t>Zprávy</a:t>
+            </a:r>
+            <a:endParaRPr lang="cs-CZ" dirty="0" smtClean="0"/>
+          </a:p>
+        </p:txBody>
+      </p:sp>
+      <p:cxnSp>
+        <p:nvCxnSpPr>
+          <p:cNvPr id="21" name="Přímá spojovací šipka 20"/>
+          <p:cNvCxnSpPr>
+            <a:stCxn id="14" idx="3"/>
+            <a:endCxn id="13" idx="1"/>
+          </p:cNvCxnSpPr>
+          <p:nvPr/>
+        </p:nvCxnSpPr>
+        <p:spPr>
+          <a:xfrm>
+            <a:off x="4139952" y="2240868"/>
+            <a:ext cx="1224136" cy="0"/>
+          </a:xfrm>
+          <a:prstGeom prst="straightConnector1">
+            <a:avLst/>
+          </a:prstGeom>
+          <a:ln>
+            <a:headEnd type="arrow"/>
+            <a:tailEnd type="arrow"/>
+          </a:ln>
+        </p:spPr>
+        <p:style>
+          <a:lnRef idx="1">
+            <a:schemeClr val="accent1"/>
+          </a:lnRef>
+          <a:fillRef idx="0">
+            <a:schemeClr val="accent1"/>
+          </a:fillRef>
+          <a:effectRef idx="0">
+            <a:schemeClr val="accent1"/>
+          </a:effectRef>
+          <a:fontRef idx="minor">
+            <a:schemeClr val="tx1"/>
+          </a:fontRef>
+        </p:style>
+      </p:cxnSp>
+      <p:cxnSp>
+        <p:nvCxnSpPr>
+          <p:cNvPr id="24" name="Přímá spojovací šipka 23"/>
+          <p:cNvCxnSpPr>
+            <a:endCxn id="14" idx="2"/>
+          </p:cNvCxnSpPr>
+          <p:nvPr/>
+        </p:nvCxnSpPr>
+        <p:spPr>
+          <a:xfrm flipH="1" flipV="1">
+            <a:off x="3347864" y="2852936"/>
+            <a:ext cx="720080" cy="504056"/>
+          </a:xfrm>
+          <a:prstGeom prst="straightConnector1">
+            <a:avLst/>
+          </a:prstGeom>
+          <a:ln>
+            <a:tailEnd type="arrow"/>
+          </a:ln>
+        </p:spPr>
+        <p:style>
+          <a:lnRef idx="1">
+            <a:schemeClr val="accent1"/>
+          </a:lnRef>
+          <a:fillRef idx="0">
+            <a:schemeClr val="accent1"/>
+          </a:fillRef>
+          <a:effectRef idx="0">
+            <a:schemeClr val="accent1"/>
+          </a:effectRef>
+          <a:fontRef idx="minor">
+            <a:schemeClr val="tx1"/>
+          </a:fontRef>
+        </p:style>
+      </p:cxnSp>
+      <p:cxnSp>
+        <p:nvCxnSpPr>
+          <p:cNvPr id="33" name="Přímá spojovací šipka 32"/>
+          <p:cNvCxnSpPr>
+            <a:endCxn id="13" idx="2"/>
+          </p:cNvCxnSpPr>
+          <p:nvPr/>
+        </p:nvCxnSpPr>
+        <p:spPr>
+          <a:xfrm flipV="1">
+            <a:off x="5364088" y="2852936"/>
+            <a:ext cx="828092" cy="504056"/>
+          </a:xfrm>
+          <a:prstGeom prst="straightConnector1">
+            <a:avLst/>
+          </a:prstGeom>
+          <a:ln>
+            <a:tailEnd type="arrow"/>
+          </a:ln>
+        </p:spPr>
+        <p:style>
+          <a:lnRef idx="1">
+            <a:schemeClr val="accent1"/>
+          </a:lnRef>
+          <a:fillRef idx="0">
+            <a:schemeClr val="accent1"/>
+          </a:fillRef>
+          <a:effectRef idx="0">
+            <a:schemeClr val="accent1"/>
+          </a:effectRef>
+          <a:fontRef idx="minor">
+            <a:schemeClr val="tx1"/>
+          </a:fontRef>
+        </p:style>
+      </p:cxnSp>
+      <p:cxnSp>
+        <p:nvCxnSpPr>
+          <p:cNvPr id="39" name="Přímá spojovací šipka 38"/>
+          <p:cNvCxnSpPr>
+            <a:stCxn id="14" idx="1"/>
+            <a:endCxn id="9" idx="3"/>
+          </p:cNvCxnSpPr>
+          <p:nvPr/>
+        </p:nvCxnSpPr>
+        <p:spPr>
+          <a:xfrm flipH="1" flipV="1">
+            <a:off x="1331639" y="1808820"/>
+            <a:ext cx="1224137" cy="432048"/>
+          </a:xfrm>
+          <a:prstGeom prst="straightConnector1">
+            <a:avLst/>
+          </a:prstGeom>
+          <a:ln>
+            <a:tailEnd type="arrow"/>
+          </a:ln>
+        </p:spPr>
+        <p:style>
+          <a:lnRef idx="1">
+            <a:schemeClr val="accent1"/>
+          </a:lnRef>
+          <a:fillRef idx="0">
+            <a:schemeClr val="accent1"/>
+          </a:fillRef>
+          <a:effectRef idx="0">
+            <a:schemeClr val="accent1"/>
+          </a:effectRef>
+          <a:fontRef idx="minor">
+            <a:schemeClr val="tx1"/>
+          </a:fontRef>
+        </p:style>
+      </p:cxnSp>
+      <p:cxnSp>
+        <p:nvCxnSpPr>
+          <p:cNvPr id="44" name="Přímá spojovací šipka 43"/>
+          <p:cNvCxnSpPr>
+            <a:stCxn id="14" idx="1"/>
+            <a:endCxn id="10" idx="3"/>
+          </p:cNvCxnSpPr>
+          <p:nvPr/>
+        </p:nvCxnSpPr>
+        <p:spPr>
+          <a:xfrm flipH="1">
+            <a:off x="1331639" y="2240868"/>
+            <a:ext cx="1224137" cy="288032"/>
+          </a:xfrm>
+          <a:prstGeom prst="straightConnector1">
+            <a:avLst/>
+          </a:prstGeom>
+          <a:ln>
+            <a:tailEnd type="arrow"/>
+          </a:ln>
+        </p:spPr>
+        <p:style>
+          <a:lnRef idx="1">
+            <a:schemeClr val="accent1"/>
+          </a:lnRef>
+          <a:fillRef idx="0">
+            <a:schemeClr val="accent1"/>
+          </a:fillRef>
+          <a:effectRef idx="0">
+            <a:schemeClr val="accent1"/>
+          </a:effectRef>
+          <a:fontRef idx="minor">
+            <a:schemeClr val="tx1"/>
+          </a:fontRef>
+        </p:style>
+      </p:cxnSp>
+      <p:cxnSp>
+        <p:nvCxnSpPr>
+          <p:cNvPr id="47" name="Přímá spojovací šipka 46"/>
+          <p:cNvCxnSpPr>
+            <a:stCxn id="14" idx="1"/>
+            <a:endCxn id="11" idx="3"/>
+          </p:cNvCxnSpPr>
+          <p:nvPr/>
+        </p:nvCxnSpPr>
+        <p:spPr>
+          <a:xfrm flipH="1">
+            <a:off x="1331639" y="2240868"/>
+            <a:ext cx="1224137" cy="1008112"/>
+          </a:xfrm>
+          <a:prstGeom prst="straightConnector1">
+            <a:avLst/>
+          </a:prstGeom>
+          <a:ln>
+            <a:tailEnd type="arrow"/>
+          </a:ln>
+        </p:spPr>
+        <p:style>
+          <a:lnRef idx="1">
+            <a:schemeClr val="accent1"/>
+          </a:lnRef>
+          <a:fillRef idx="0">
+            <a:schemeClr val="accent1"/>
+          </a:fillRef>
+          <a:effectRef idx="0">
+            <a:schemeClr val="accent1"/>
+          </a:effectRef>
+          <a:fontRef idx="minor">
+            <a:schemeClr val="tx1"/>
+          </a:fontRef>
+        </p:style>
+      </p:cxnSp>
+      <p:cxnSp>
+        <p:nvCxnSpPr>
+          <p:cNvPr id="50" name="Přímá spojovací šipka 49"/>
+          <p:cNvCxnSpPr/>
+          <p:nvPr/>
+        </p:nvCxnSpPr>
+        <p:spPr>
+          <a:xfrm flipV="1">
+            <a:off x="7020272" y="1628800"/>
+            <a:ext cx="504056" cy="432048"/>
+          </a:xfrm>
+          <a:prstGeom prst="straightConnector1">
+            <a:avLst/>
+          </a:prstGeom>
+          <a:ln>
+            <a:tailEnd type="arrow"/>
+          </a:ln>
+        </p:spPr>
+        <p:style>
+          <a:lnRef idx="1">
+            <a:schemeClr val="accent1"/>
+          </a:lnRef>
+          <a:fillRef idx="0">
+            <a:schemeClr val="accent1"/>
+          </a:fillRef>
+          <a:effectRef idx="0">
+            <a:schemeClr val="accent1"/>
+          </a:effectRef>
+          <a:fontRef idx="minor">
+            <a:schemeClr val="tx1"/>
+          </a:fontRef>
+        </p:style>
+      </p:cxnSp>
+      <p:cxnSp>
+        <p:nvCxnSpPr>
+          <p:cNvPr id="55" name="Přímá spojovací šipka 54"/>
+          <p:cNvCxnSpPr>
+            <a:endCxn id="15" idx="1"/>
+          </p:cNvCxnSpPr>
+          <p:nvPr/>
+        </p:nvCxnSpPr>
+        <p:spPr>
+          <a:xfrm>
+            <a:off x="7020272" y="2060848"/>
+            <a:ext cx="504056" cy="432048"/>
+          </a:xfrm>
+          <a:prstGeom prst="straightConnector1">
+            <a:avLst/>
+          </a:prstGeom>
+          <a:ln>
+            <a:tailEnd type="arrow"/>
+          </a:ln>
+        </p:spPr>
+        <p:style>
+          <a:lnRef idx="1">
+            <a:schemeClr val="accent1"/>
+          </a:lnRef>
+          <a:fillRef idx="0">
+            <a:schemeClr val="accent1"/>
+          </a:fillRef>
+          <a:effectRef idx="0">
+            <a:schemeClr val="accent1"/>
+          </a:effectRef>
+          <a:fontRef idx="minor">
+            <a:schemeClr val="tx1"/>
+          </a:fontRef>
+        </p:style>
+      </p:cxnSp>
+      <p:cxnSp>
+        <p:nvCxnSpPr>
+          <p:cNvPr id="62" name="Přímá spojovací šipka 61"/>
+          <p:cNvCxnSpPr>
+            <a:endCxn id="18" idx="0"/>
+          </p:cNvCxnSpPr>
+          <p:nvPr/>
+        </p:nvCxnSpPr>
+        <p:spPr>
+          <a:xfrm flipH="1">
+            <a:off x="3239852" y="4797152"/>
+            <a:ext cx="1260140" cy="936104"/>
+          </a:xfrm>
+          <a:prstGeom prst="straightConnector1">
+            <a:avLst/>
+          </a:prstGeom>
+          <a:ln>
+            <a:tailEnd type="arrow"/>
+          </a:ln>
+        </p:spPr>
+        <p:style>
+          <a:lnRef idx="1">
+            <a:schemeClr val="accent1"/>
+          </a:lnRef>
+          <a:fillRef idx="0">
+            <a:schemeClr val="accent1"/>
+          </a:fillRef>
+          <a:effectRef idx="0">
+            <a:schemeClr val="accent1"/>
+          </a:effectRef>
+          <a:fontRef idx="minor">
+            <a:schemeClr val="tx1"/>
+          </a:fontRef>
+        </p:style>
+      </p:cxnSp>
+      <p:cxnSp>
+        <p:nvCxnSpPr>
+          <p:cNvPr id="63" name="Přímá spojovací šipka 62"/>
+          <p:cNvCxnSpPr>
+            <a:stCxn id="17" idx="2"/>
+            <a:endCxn id="19" idx="0"/>
+          </p:cNvCxnSpPr>
+          <p:nvPr/>
+        </p:nvCxnSpPr>
+        <p:spPr>
+          <a:xfrm>
+            <a:off x="4716016" y="4797152"/>
+            <a:ext cx="828092" cy="936104"/>
+          </a:xfrm>
+          <a:prstGeom prst="straightConnector1">
+            <a:avLst/>
+          </a:prstGeom>
+          <a:ln>
+            <a:tailEnd type="arrow"/>
+          </a:ln>
+        </p:spPr>
+        <p:style>
+          <a:lnRef idx="1">
+            <a:schemeClr val="accent1"/>
+          </a:lnRef>
+          <a:fillRef idx="0">
+            <a:schemeClr val="accent1"/>
+          </a:fillRef>
+          <a:effectRef idx="0">
+            <a:schemeClr val="accent1"/>
+          </a:effectRef>
+          <a:fontRef idx="minor">
+            <a:schemeClr val="tx1"/>
+          </a:fontRef>
+        </p:style>
+      </p:cxnSp>
+      <p:cxnSp>
+        <p:nvCxnSpPr>
+          <p:cNvPr id="70" name="Přímá spojovací šipka 69"/>
+          <p:cNvCxnSpPr>
+            <a:endCxn id="12" idx="1"/>
+          </p:cNvCxnSpPr>
+          <p:nvPr/>
+        </p:nvCxnSpPr>
+        <p:spPr>
+          <a:xfrm flipV="1">
+            <a:off x="5364088" y="3753036"/>
+            <a:ext cx="1296144" cy="36004"/>
+          </a:xfrm>
+          <a:prstGeom prst="straightConnector1">
+            <a:avLst/>
+          </a:prstGeom>
+          <a:ln>
+            <a:tailEnd type="arrow"/>
+          </a:ln>
+        </p:spPr>
+        <p:style>
+          <a:lnRef idx="1">
+            <a:schemeClr val="accent1"/>
+          </a:lnRef>
+          <a:fillRef idx="0">
+            <a:schemeClr val="accent1"/>
+          </a:fillRef>
+          <a:effectRef idx="0">
+            <a:schemeClr val="accent1"/>
+          </a:effectRef>
+          <a:fontRef idx="minor">
+            <a:schemeClr val="tx1"/>
+          </a:fontRef>
+        </p:style>
+      </p:cxnSp>
+      <p:cxnSp>
+        <p:nvCxnSpPr>
+          <p:cNvPr id="79" name="Přímá spojovací šipka 78"/>
+          <p:cNvCxnSpPr>
+            <a:stCxn id="19" idx="1"/>
+            <a:endCxn id="18" idx="3"/>
+          </p:cNvCxnSpPr>
+          <p:nvPr/>
+        </p:nvCxnSpPr>
+        <p:spPr>
+          <a:xfrm flipH="1">
+            <a:off x="3779912" y="6021288"/>
+            <a:ext cx="1224136" cy="0"/>
+          </a:xfrm>
+          <a:prstGeom prst="straightConnector1">
+            <a:avLst/>
+          </a:prstGeom>
+          <a:ln>
+            <a:tailEnd type="arrow"/>
+          </a:ln>
+        </p:spPr>
+        <p:style>
+          <a:lnRef idx="1">
+            <a:schemeClr val="accent1"/>
+          </a:lnRef>
+          <a:fillRef idx="0">
+            <a:schemeClr val="accent1"/>
+          </a:fillRef>
+          <a:effectRef idx="0">
+            <a:schemeClr val="accent1"/>
+          </a:effectRef>
+          <a:fontRef idx="minor">
+            <a:schemeClr val="tx1"/>
+          </a:fontRef>
+        </p:style>
+      </p:cxnSp>
+      <p:sp>
+        <p:nvSpPr>
+          <p:cNvPr id="80" name="TextovéPole 79"/>
+          <p:cNvSpPr txBox="1"/>
+          <p:nvPr/>
+        </p:nvSpPr>
+        <p:spPr>
+          <a:xfrm flipH="1">
+            <a:off x="6156176" y="5661248"/>
+            <a:ext cx="2664296" cy="646331"/>
+          </a:xfrm>
+          <a:prstGeom prst="rect">
+            <a:avLst/>
+          </a:prstGeom>
+          <a:noFill/>
+        </p:spPr>
+        <p:txBody>
+          <a:bodyPr wrap="square" rtlCol="0">
+            <a:spAutoFit/>
+          </a:bodyPr>
+          <a:lstStyle/>
+          <a:p>
+            <a:r>
+              <a:rPr lang="cs-CZ" dirty="0" smtClean="0">
+                <a:solidFill>
+                  <a:schemeClr val="accent6">
+                    <a:lumMod val="75000"/>
+                  </a:schemeClr>
+                </a:solidFill>
+              </a:rPr>
+              <a:t>Informace o lince problémy a doporučení</a:t>
+            </a:r>
+            <a:endParaRPr lang="cs-CZ" dirty="0">
+              <a:solidFill>
+                <a:schemeClr val="accent6">
+                  <a:lumMod val="75000"/>
+                </a:schemeClr>
+              </a:solidFill>
+            </a:endParaRPr>
           </a:p>
         </p:txBody>
       </p:sp>
@@ -3136,6 +4546,238 @@
       </p:grpSpPr>
       <p:sp>
         <p:nvSpPr>
+          <p:cNvPr id="74" name="Obdélník 73"/>
+          <p:cNvSpPr/>
+          <p:nvPr/>
+        </p:nvSpPr>
+        <p:spPr>
+          <a:xfrm>
+            <a:off x="107504" y="1484784"/>
+            <a:ext cx="1368152" cy="2088232"/>
+          </a:xfrm>
+          <a:prstGeom prst="rect">
+            <a:avLst/>
+          </a:prstGeom>
+          <a:solidFill>
+            <a:srgbClr val="FF0000">
+              <a:alpha val="37000"/>
+            </a:srgbClr>
+          </a:solidFill>
+        </p:spPr>
+        <p:style>
+          <a:lnRef idx="2">
+            <a:schemeClr val="accent1">
+              <a:shade val="50000"/>
+            </a:schemeClr>
+          </a:lnRef>
+          <a:fillRef idx="1">
+            <a:schemeClr val="accent1"/>
+          </a:fillRef>
+          <a:effectRef idx="0">
+            <a:schemeClr val="accent1"/>
+          </a:effectRef>
+          <a:fontRef idx="minor">
+            <a:schemeClr val="lt1"/>
+          </a:fontRef>
+        </p:style>
+        <p:txBody>
+          <a:bodyPr rtlCol="0" anchor="ctr"/>
+          <a:lstStyle/>
+          <a:p>
+            <a:pPr algn="ctr"/>
+            <a:endParaRPr lang="cs-CZ" dirty="0" smtClean="0"/>
+          </a:p>
+          <a:p>
+            <a:pPr algn="ctr"/>
+            <a:endParaRPr lang="cs-CZ" dirty="0" smtClean="0"/>
+          </a:p>
+        </p:txBody>
+      </p:sp>
+      <p:sp>
+        <p:nvSpPr>
+          <p:cNvPr id="17" name="Obdélník 16"/>
+          <p:cNvSpPr/>
+          <p:nvPr/>
+        </p:nvSpPr>
+        <p:spPr>
+          <a:xfrm>
+            <a:off x="4067944" y="3356992"/>
+            <a:ext cx="1296144" cy="1440160"/>
+          </a:xfrm>
+          <a:prstGeom prst="rect">
+            <a:avLst/>
+          </a:prstGeom>
+          <a:solidFill>
+            <a:srgbClr val="FF0000">
+              <a:alpha val="36000"/>
+            </a:srgbClr>
+          </a:solidFill>
+        </p:spPr>
+        <p:style>
+          <a:lnRef idx="2">
+            <a:schemeClr val="accent1">
+              <a:shade val="50000"/>
+            </a:schemeClr>
+          </a:lnRef>
+          <a:fillRef idx="1">
+            <a:schemeClr val="accent1"/>
+          </a:fillRef>
+          <a:effectRef idx="0">
+            <a:schemeClr val="accent1"/>
+          </a:effectRef>
+          <a:fontRef idx="minor">
+            <a:schemeClr val="lt1"/>
+          </a:fontRef>
+        </p:style>
+        <p:txBody>
+          <a:bodyPr rtlCol="0" anchor="ctr"/>
+          <a:lstStyle/>
+          <a:p>
+            <a:pPr algn="ctr"/>
+            <a:endParaRPr lang="cs-CZ" dirty="0" smtClean="0"/>
+          </a:p>
+          <a:p>
+            <a:pPr algn="ctr"/>
+            <a:endParaRPr lang="cs-CZ" dirty="0" smtClean="0"/>
+          </a:p>
+          <a:p>
+            <a:pPr algn="ctr"/>
+            <a:r>
+              <a:rPr lang="cs-CZ" dirty="0" err="1" smtClean="0"/>
+              <a:t>Glob</a:t>
+            </a:r>
+            <a:r>
+              <a:rPr lang="cs-CZ" dirty="0" smtClean="0"/>
+              <a:t>. </a:t>
+            </a:r>
+            <a:r>
+              <a:rPr lang="cs-CZ" dirty="0" smtClean="0"/>
+              <a:t>v</a:t>
+            </a:r>
+            <a:r>
+              <a:rPr lang="cs-CZ" dirty="0" smtClean="0"/>
+              <a:t>alidace </a:t>
+            </a:r>
+            <a:endParaRPr lang="cs-CZ" dirty="0"/>
+          </a:p>
+        </p:txBody>
+      </p:sp>
+      <p:sp>
+        <p:nvSpPr>
+          <p:cNvPr id="14" name="Obdélník 13"/>
+          <p:cNvSpPr/>
+          <p:nvPr/>
+        </p:nvSpPr>
+        <p:spPr>
+          <a:xfrm>
+            <a:off x="2555776" y="1628800"/>
+            <a:ext cx="1584176" cy="1224136"/>
+          </a:xfrm>
+          <a:prstGeom prst="rect">
+            <a:avLst/>
+          </a:prstGeom>
+          <a:solidFill>
+            <a:srgbClr val="FF0000">
+              <a:alpha val="37000"/>
+            </a:srgbClr>
+          </a:solidFill>
+        </p:spPr>
+        <p:style>
+          <a:lnRef idx="2">
+            <a:schemeClr val="accent1">
+              <a:shade val="50000"/>
+            </a:schemeClr>
+          </a:lnRef>
+          <a:fillRef idx="1">
+            <a:schemeClr val="accent1"/>
+          </a:fillRef>
+          <a:effectRef idx="0">
+            <a:schemeClr val="accent1"/>
+          </a:effectRef>
+          <a:fontRef idx="minor">
+            <a:schemeClr val="lt1"/>
+          </a:fontRef>
+        </p:style>
+        <p:txBody>
+          <a:bodyPr rtlCol="0" anchor="ctr"/>
+          <a:lstStyle/>
+          <a:p>
+            <a:pPr algn="ctr"/>
+            <a:endParaRPr lang="cs-CZ" dirty="0" smtClean="0"/>
+          </a:p>
+          <a:p>
+            <a:pPr algn="ctr"/>
+            <a:endParaRPr lang="cs-CZ" dirty="0" smtClean="0"/>
+          </a:p>
+          <a:p>
+            <a:pPr algn="ctr"/>
+            <a:r>
+              <a:rPr lang="cs-CZ" dirty="0" smtClean="0"/>
+              <a:t>Validace PL</a:t>
+            </a:r>
+            <a:endParaRPr lang="cs-CZ" dirty="0"/>
+          </a:p>
+        </p:txBody>
+      </p:sp>
+      <p:sp>
+        <p:nvSpPr>
+          <p:cNvPr id="13" name="Obdélník 12"/>
+          <p:cNvSpPr/>
+          <p:nvPr/>
+        </p:nvSpPr>
+        <p:spPr>
+          <a:xfrm>
+            <a:off x="5364088" y="1628800"/>
+            <a:ext cx="1656184" cy="1224136"/>
+          </a:xfrm>
+          <a:prstGeom prst="rect">
+            <a:avLst/>
+          </a:prstGeom>
+          <a:solidFill>
+            <a:srgbClr val="FF0000">
+              <a:alpha val="36000"/>
+            </a:srgbClr>
+          </a:solidFill>
+        </p:spPr>
+        <p:style>
+          <a:lnRef idx="2">
+            <a:schemeClr val="accent1">
+              <a:shade val="50000"/>
+            </a:schemeClr>
+          </a:lnRef>
+          <a:fillRef idx="1">
+            <a:schemeClr val="accent1"/>
+          </a:fillRef>
+          <a:effectRef idx="0">
+            <a:schemeClr val="accent1"/>
+          </a:effectRef>
+          <a:fontRef idx="minor">
+            <a:schemeClr val="lt1"/>
+          </a:fontRef>
+        </p:style>
+        <p:txBody>
+          <a:bodyPr rtlCol="0" anchor="ctr"/>
+          <a:lstStyle/>
+          <a:p>
+            <a:pPr algn="ctr"/>
+            <a:endParaRPr lang="cs-CZ" dirty="0" smtClean="0"/>
+          </a:p>
+          <a:p>
+            <a:pPr algn="ctr"/>
+            <a:endParaRPr lang="cs-CZ" dirty="0" smtClean="0"/>
+          </a:p>
+          <a:p>
+            <a:pPr algn="ctr"/>
+            <a:r>
+              <a:rPr lang="cs-CZ" dirty="0" smtClean="0"/>
+              <a:t>Validace PO</a:t>
+            </a:r>
+            <a:endParaRPr lang="cs-CZ" dirty="0"/>
+          </a:p>
+        </p:txBody>
+      </p:sp>
+      <p:sp>
+        <p:nvSpPr>
           <p:cNvPr id="2" name="Nadpis 1"/>
           <p:cNvSpPr>
             <a:spLocks noGrp="1"/>
@@ -3146,19 +4788,1208 @@
         </p:nvSpPr>
         <p:spPr/>
         <p:txBody>
-          <a:bodyPr>
-            <a:normAutofit/>
+          <a:bodyPr/>
+          <a:lstStyle/>
+          <a:p>
+            <a:r>
+              <a:rPr lang="cs-CZ" dirty="0" smtClean="0"/>
+              <a:t>TISPL - model</a:t>
+            </a:r>
+            <a:endParaRPr lang="cs-CZ" dirty="0"/>
+          </a:p>
+        </p:txBody>
+      </p:sp>
+      <p:sp>
+        <p:nvSpPr>
+          <p:cNvPr id="4" name="Obdélník 3"/>
+          <p:cNvSpPr/>
+          <p:nvPr/>
+        </p:nvSpPr>
+        <p:spPr>
+          <a:xfrm>
+            <a:off x="4211960" y="3429000"/>
+            <a:ext cx="1008112" cy="648072"/>
+          </a:xfrm>
+          <a:prstGeom prst="rect">
+            <a:avLst/>
+          </a:prstGeom>
+        </p:spPr>
+        <p:style>
+          <a:lnRef idx="2">
+            <a:schemeClr val="accent1">
+              <a:shade val="50000"/>
+            </a:schemeClr>
+          </a:lnRef>
+          <a:fillRef idx="1">
+            <a:schemeClr val="accent1"/>
+          </a:fillRef>
+          <a:effectRef idx="0">
+            <a:schemeClr val="accent1"/>
+          </a:effectRef>
+          <a:fontRef idx="minor">
+            <a:schemeClr val="lt1"/>
+          </a:fontRef>
+        </p:style>
+        <p:txBody>
+          <a:bodyPr rtlCol="0" anchor="ctr"/>
+          <a:lstStyle/>
+          <a:p>
+            <a:pPr algn="ctr"/>
+            <a:r>
+              <a:rPr lang="cs-CZ" dirty="0" smtClean="0"/>
+              <a:t>Schéma</a:t>
+            </a:r>
+            <a:endParaRPr lang="cs-CZ" dirty="0"/>
+          </a:p>
+        </p:txBody>
+      </p:sp>
+      <p:sp>
+        <p:nvSpPr>
+          <p:cNvPr id="6" name="Zástupný symbol pro obsah 5"/>
+          <p:cNvSpPr>
+            <a:spLocks noGrp="1"/>
+          </p:cNvSpPr>
+          <p:nvPr>
+            <p:ph idx="1"/>
+          </p:nvPr>
+        </p:nvSpPr>
+        <p:spPr>
+          <a:xfrm>
+            <a:off x="5436096" y="1700808"/>
+            <a:ext cx="1512168" cy="648072"/>
+          </a:xfrm>
+          <a:prstGeom prst="rect">
+            <a:avLst/>
+          </a:prstGeom>
+        </p:spPr>
+        <p:style>
+          <a:lnRef idx="2">
+            <a:schemeClr val="accent1">
+              <a:shade val="50000"/>
+            </a:schemeClr>
+          </a:lnRef>
+          <a:fillRef idx="1">
+            <a:schemeClr val="accent1"/>
+          </a:fillRef>
+          <a:effectRef idx="0">
+            <a:schemeClr val="accent1"/>
+          </a:effectRef>
+          <a:fontRef idx="minor">
+            <a:schemeClr val="lt1"/>
+          </a:fontRef>
+        </p:style>
+        <p:txBody>
+          <a:bodyPr rtlCol="0" anchor="ctr">
+            <a:noAutofit/>
           </a:bodyPr>
           <a:lstStyle/>
           <a:p>
-            <a:r>
-              <a:rPr lang="en-GB" dirty="0" smtClean="0"/>
-              <a:t>Main features</a:t>
-            </a:r>
-            <a:endParaRPr lang="cs-CZ" sz="3600" dirty="0">
+            <a:pPr algn="ctr">
+              <a:buNone/>
+            </a:pPr>
+            <a:r>
+              <a:rPr lang="cs-CZ" sz="2000" dirty="0" smtClean="0"/>
+              <a:t>Parametry OBJEKTU</a:t>
+            </a:r>
+            <a:endParaRPr lang="cs-CZ" sz="2000" dirty="0"/>
+          </a:p>
+        </p:txBody>
+      </p:sp>
+      <p:sp>
+        <p:nvSpPr>
+          <p:cNvPr id="7" name="Zástupný symbol pro obsah 5"/>
+          <p:cNvSpPr txBox="1">
+            <a:spLocks/>
+          </p:cNvSpPr>
+          <p:nvPr/>
+        </p:nvSpPr>
+        <p:spPr>
+          <a:xfrm>
+            <a:off x="2627784" y="1700808"/>
+            <a:ext cx="1440159" cy="648072"/>
+          </a:xfrm>
+          <a:prstGeom prst="rect">
+            <a:avLst/>
+          </a:prstGeom>
+        </p:spPr>
+        <p:style>
+          <a:lnRef idx="2">
+            <a:schemeClr val="accent1">
+              <a:shade val="50000"/>
+            </a:schemeClr>
+          </a:lnRef>
+          <a:fillRef idx="1">
+            <a:schemeClr val="accent1"/>
+          </a:fillRef>
+          <a:effectRef idx="0">
+            <a:schemeClr val="accent1"/>
+          </a:effectRef>
+          <a:fontRef idx="minor">
+            <a:schemeClr val="lt1"/>
+          </a:fontRef>
+        </p:style>
+        <p:txBody>
+          <a:bodyPr vert="horz" lIns="91440" tIns="45720" rIns="91440" bIns="45720" rtlCol="0" anchor="ctr">
+            <a:noAutofit/>
+          </a:bodyPr>
+          <a:lstStyle/>
+          <a:p>
+            <a:pPr marL="342900" marR="0" lvl="0" indent="-342900" algn="ctr" defTabSz="914400" rtl="0" eaLnBrk="1" fontAlgn="auto" latinLnBrk="0" hangingPunct="1">
+              <a:lnSpc>
+                <a:spcPct val="100000"/>
+              </a:lnSpc>
+              <a:spcBef>
+                <a:spcPct val="20000"/>
+              </a:spcBef>
+              <a:spcAft>
+                <a:spcPts val="0"/>
+              </a:spcAft>
+              <a:buClrTx/>
+              <a:buSzTx/>
+              <a:buFont typeface="Arial" pitchFamily="34" charset="0"/>
+              <a:buNone/>
+              <a:tabLst/>
+              <a:defRPr/>
+            </a:pPr>
+            <a:r>
+              <a:rPr kumimoji="0" lang="cs-CZ" sz="2000" b="0" i="0" u="none" strike="noStrike" kern="1200" cap="none" spc="0" normalizeH="0" baseline="0" noProof="0" dirty="0" smtClean="0">
+                <a:ln>
+                  <a:noFill/>
+                </a:ln>
+                <a:solidFill>
+                  <a:schemeClr val="lt1"/>
+                </a:solidFill>
+                <a:effectLst/>
+                <a:uLnTx/>
+                <a:uFillTx/>
+                <a:latin typeface="+mn-lt"/>
+                <a:ea typeface="+mn-ea"/>
+                <a:cs typeface="+mn-cs"/>
+              </a:rPr>
+              <a:t>Parametry LINKY</a:t>
+            </a:r>
+            <a:endParaRPr kumimoji="0" lang="cs-CZ" sz="2000" b="0" i="0" u="none" strike="noStrike" kern="1200" cap="none" spc="0" normalizeH="0" baseline="0" noProof="0" dirty="0">
+              <a:ln>
+                <a:noFill/>
+              </a:ln>
               <a:solidFill>
-                <a:schemeClr val="bg1">
-                  <a:lumMod val="50000"/>
+                <a:schemeClr val="lt1"/>
+              </a:solidFill>
+              <a:effectLst/>
+              <a:uLnTx/>
+              <a:uFillTx/>
+              <a:latin typeface="+mn-lt"/>
+              <a:ea typeface="+mn-ea"/>
+              <a:cs typeface="+mn-cs"/>
+            </a:endParaRPr>
+          </a:p>
+        </p:txBody>
+      </p:sp>
+      <p:sp>
+        <p:nvSpPr>
+          <p:cNvPr id="9" name="Zástupný symbol pro obsah 5"/>
+          <p:cNvSpPr txBox="1">
+            <a:spLocks/>
+          </p:cNvSpPr>
+          <p:nvPr/>
+        </p:nvSpPr>
+        <p:spPr>
+          <a:xfrm>
+            <a:off x="179512" y="1628800"/>
+            <a:ext cx="1152127" cy="360040"/>
+          </a:xfrm>
+          <a:prstGeom prst="rect">
+            <a:avLst/>
+          </a:prstGeom>
+        </p:spPr>
+        <p:style>
+          <a:lnRef idx="2">
+            <a:schemeClr val="accent1">
+              <a:shade val="50000"/>
+            </a:schemeClr>
+          </a:lnRef>
+          <a:fillRef idx="1">
+            <a:schemeClr val="accent1"/>
+          </a:fillRef>
+          <a:effectRef idx="0">
+            <a:schemeClr val="accent1"/>
+          </a:effectRef>
+          <a:fontRef idx="minor">
+            <a:schemeClr val="lt1"/>
+          </a:fontRef>
+        </p:style>
+        <p:txBody>
+          <a:bodyPr vert="horz" lIns="91440" tIns="45720" rIns="91440" bIns="45720" rtlCol="0" anchor="ctr">
+            <a:noAutofit/>
+          </a:bodyPr>
+          <a:lstStyle/>
+          <a:p>
+            <a:pPr marL="342900" marR="0" lvl="0" indent="-342900" algn="ctr" defTabSz="914400" rtl="0" eaLnBrk="1" fontAlgn="auto" latinLnBrk="0" hangingPunct="1">
+              <a:lnSpc>
+                <a:spcPct val="100000"/>
+              </a:lnSpc>
+              <a:spcBef>
+                <a:spcPct val="20000"/>
+              </a:spcBef>
+              <a:spcAft>
+                <a:spcPts val="0"/>
+              </a:spcAft>
+              <a:buClrTx/>
+              <a:buSzTx/>
+              <a:buFont typeface="Arial" pitchFamily="34" charset="0"/>
+              <a:buNone/>
+              <a:tabLst/>
+              <a:defRPr/>
+            </a:pPr>
+            <a:r>
+              <a:rPr kumimoji="0" lang="cs-CZ" sz="2000" b="0" i="0" u="none" strike="noStrike" kern="1200" cap="none" spc="0" normalizeH="0" baseline="0" noProof="0" dirty="0" smtClean="0">
+                <a:ln>
+                  <a:noFill/>
+                </a:ln>
+                <a:solidFill>
+                  <a:schemeClr val="lt1"/>
+                </a:solidFill>
+                <a:effectLst/>
+                <a:uLnTx/>
+                <a:uFillTx/>
+                <a:latin typeface="+mn-lt"/>
+                <a:ea typeface="+mn-ea"/>
+                <a:cs typeface="+mn-cs"/>
+              </a:rPr>
+              <a:t>GAPO TT</a:t>
+            </a:r>
+          </a:p>
+        </p:txBody>
+      </p:sp>
+      <p:sp>
+        <p:nvSpPr>
+          <p:cNvPr id="10" name="Zástupný symbol pro obsah 5"/>
+          <p:cNvSpPr txBox="1">
+            <a:spLocks/>
+          </p:cNvSpPr>
+          <p:nvPr/>
+        </p:nvSpPr>
+        <p:spPr>
+          <a:xfrm>
+            <a:off x="179512" y="2348880"/>
+            <a:ext cx="1152127" cy="360040"/>
+          </a:xfrm>
+          <a:prstGeom prst="rect">
+            <a:avLst/>
+          </a:prstGeom>
+        </p:spPr>
+        <p:style>
+          <a:lnRef idx="2">
+            <a:schemeClr val="accent1">
+              <a:shade val="50000"/>
+            </a:schemeClr>
+          </a:lnRef>
+          <a:fillRef idx="1">
+            <a:schemeClr val="accent1"/>
+          </a:fillRef>
+          <a:effectRef idx="0">
+            <a:schemeClr val="accent1"/>
+          </a:effectRef>
+          <a:fontRef idx="minor">
+            <a:schemeClr val="lt1"/>
+          </a:fontRef>
+        </p:style>
+        <p:txBody>
+          <a:bodyPr vert="horz" lIns="91440" tIns="45720" rIns="91440" bIns="45720" rtlCol="0" anchor="ctr">
+            <a:noAutofit/>
+          </a:bodyPr>
+          <a:lstStyle/>
+          <a:p>
+            <a:pPr marL="342900" marR="0" lvl="0" indent="-342900" algn="ctr" defTabSz="914400" rtl="0" eaLnBrk="1" fontAlgn="auto" latinLnBrk="0" hangingPunct="1">
+              <a:lnSpc>
+                <a:spcPct val="100000"/>
+              </a:lnSpc>
+              <a:spcBef>
+                <a:spcPct val="20000"/>
+              </a:spcBef>
+              <a:spcAft>
+                <a:spcPts val="0"/>
+              </a:spcAft>
+              <a:buClrTx/>
+              <a:buSzTx/>
+              <a:buFont typeface="Arial" pitchFamily="34" charset="0"/>
+              <a:buNone/>
+              <a:tabLst/>
+              <a:defRPr/>
+            </a:pPr>
+            <a:r>
+              <a:rPr kumimoji="0" lang="cs-CZ" sz="2000" b="0" i="0" u="none" strike="noStrike" kern="1200" cap="none" spc="0" normalizeH="0" baseline="0" noProof="0" dirty="0" smtClean="0">
+                <a:ln>
+                  <a:noFill/>
+                </a:ln>
+                <a:solidFill>
+                  <a:schemeClr val="lt1"/>
+                </a:solidFill>
+                <a:effectLst/>
+                <a:uLnTx/>
+                <a:uFillTx/>
+                <a:latin typeface="+mn-lt"/>
+                <a:ea typeface="+mn-ea"/>
+                <a:cs typeface="+mn-cs"/>
+              </a:rPr>
+              <a:t>GAPO V</a:t>
+            </a:r>
+          </a:p>
+        </p:txBody>
+      </p:sp>
+      <p:sp>
+        <p:nvSpPr>
+          <p:cNvPr id="11" name="Zástupný symbol pro obsah 5"/>
+          <p:cNvSpPr txBox="1">
+            <a:spLocks/>
+          </p:cNvSpPr>
+          <p:nvPr/>
+        </p:nvSpPr>
+        <p:spPr>
+          <a:xfrm>
+            <a:off x="179512" y="3068960"/>
+            <a:ext cx="1152127" cy="360040"/>
+          </a:xfrm>
+          <a:prstGeom prst="rect">
+            <a:avLst/>
+          </a:prstGeom>
+        </p:spPr>
+        <p:style>
+          <a:lnRef idx="2">
+            <a:schemeClr val="accent1">
+              <a:shade val="50000"/>
+            </a:schemeClr>
+          </a:lnRef>
+          <a:fillRef idx="1">
+            <a:schemeClr val="accent1"/>
+          </a:fillRef>
+          <a:effectRef idx="0">
+            <a:schemeClr val="accent1"/>
+          </a:effectRef>
+          <a:fontRef idx="minor">
+            <a:schemeClr val="lt1"/>
+          </a:fontRef>
+        </p:style>
+        <p:txBody>
+          <a:bodyPr vert="horz" lIns="91440" tIns="45720" rIns="91440" bIns="45720" rtlCol="0" anchor="ctr">
+            <a:noAutofit/>
+          </a:bodyPr>
+          <a:lstStyle/>
+          <a:p>
+            <a:pPr marL="342900" marR="0" lvl="0" indent="-342900" algn="ctr" defTabSz="914400" rtl="0" eaLnBrk="1" fontAlgn="auto" latinLnBrk="0" hangingPunct="1">
+              <a:lnSpc>
+                <a:spcPct val="100000"/>
+              </a:lnSpc>
+              <a:spcBef>
+                <a:spcPct val="20000"/>
+              </a:spcBef>
+              <a:spcAft>
+                <a:spcPts val="0"/>
+              </a:spcAft>
+              <a:buClrTx/>
+              <a:buSzTx/>
+              <a:buFont typeface="Arial" pitchFamily="34" charset="0"/>
+              <a:buNone/>
+              <a:tabLst/>
+              <a:defRPr/>
+            </a:pPr>
+            <a:r>
+              <a:rPr kumimoji="0" lang="cs-CZ" sz="2000" b="0" i="0" u="none" strike="noStrike" kern="1200" cap="none" spc="0" normalizeH="0" baseline="0" noProof="0" dirty="0" smtClean="0">
+                <a:ln>
+                  <a:noFill/>
+                </a:ln>
+                <a:solidFill>
+                  <a:schemeClr val="lt1"/>
+                </a:solidFill>
+                <a:effectLst/>
+                <a:uLnTx/>
+                <a:uFillTx/>
+                <a:latin typeface="+mn-lt"/>
+                <a:ea typeface="+mn-ea"/>
+                <a:cs typeface="+mn-cs"/>
+              </a:rPr>
+              <a:t>GAPO R</a:t>
+            </a:r>
+          </a:p>
+        </p:txBody>
+      </p:sp>
+      <p:sp>
+        <p:nvSpPr>
+          <p:cNvPr id="12" name="Obdélník 11"/>
+          <p:cNvSpPr/>
+          <p:nvPr/>
+        </p:nvSpPr>
+        <p:spPr>
+          <a:xfrm>
+            <a:off x="6660232" y="3429000"/>
+            <a:ext cx="1008112" cy="648072"/>
+          </a:xfrm>
+          <a:prstGeom prst="rect">
+            <a:avLst/>
+          </a:prstGeom>
+        </p:spPr>
+        <p:style>
+          <a:lnRef idx="2">
+            <a:schemeClr val="accent1">
+              <a:shade val="50000"/>
+            </a:schemeClr>
+          </a:lnRef>
+          <a:fillRef idx="1">
+            <a:schemeClr val="accent1"/>
+          </a:fillRef>
+          <a:effectRef idx="0">
+            <a:schemeClr val="accent1"/>
+          </a:effectRef>
+          <a:fontRef idx="minor">
+            <a:schemeClr val="lt1"/>
+          </a:fontRef>
+        </p:style>
+        <p:txBody>
+          <a:bodyPr rtlCol="0" anchor="ctr"/>
+          <a:lstStyle/>
+          <a:p>
+            <a:pPr algn="ctr"/>
+            <a:r>
+              <a:rPr lang="cs-CZ" dirty="0" smtClean="0"/>
+              <a:t>Časové osy</a:t>
+            </a:r>
+            <a:endParaRPr lang="cs-CZ" dirty="0"/>
+          </a:p>
+        </p:txBody>
+      </p:sp>
+      <p:sp>
+        <p:nvSpPr>
+          <p:cNvPr id="15" name="Zástupný symbol pro obsah 5"/>
+          <p:cNvSpPr txBox="1">
+            <a:spLocks/>
+          </p:cNvSpPr>
+          <p:nvPr/>
+        </p:nvSpPr>
+        <p:spPr>
+          <a:xfrm>
+            <a:off x="7524328" y="2276872"/>
+            <a:ext cx="1440160" cy="432048"/>
+          </a:xfrm>
+          <a:prstGeom prst="rect">
+            <a:avLst/>
+          </a:prstGeom>
+        </p:spPr>
+        <p:style>
+          <a:lnRef idx="2">
+            <a:schemeClr val="accent1">
+              <a:shade val="50000"/>
+            </a:schemeClr>
+          </a:lnRef>
+          <a:fillRef idx="1">
+            <a:schemeClr val="accent1"/>
+          </a:fillRef>
+          <a:effectRef idx="0">
+            <a:schemeClr val="accent1"/>
+          </a:effectRef>
+          <a:fontRef idx="minor">
+            <a:schemeClr val="lt1"/>
+          </a:fontRef>
+        </p:style>
+        <p:txBody>
+          <a:bodyPr vert="horz" lIns="91440" tIns="45720" rIns="91440" bIns="45720" rtlCol="0" anchor="ctr">
+            <a:noAutofit/>
+          </a:bodyPr>
+          <a:lstStyle/>
+          <a:p>
+            <a:pPr marL="342900" marR="0" lvl="0" indent="-342900" algn="ctr" defTabSz="914400" rtl="0" eaLnBrk="1" fontAlgn="auto" latinLnBrk="0" hangingPunct="1">
+              <a:lnSpc>
+                <a:spcPct val="100000"/>
+              </a:lnSpc>
+              <a:spcBef>
+                <a:spcPct val="20000"/>
+              </a:spcBef>
+              <a:spcAft>
+                <a:spcPts val="0"/>
+              </a:spcAft>
+              <a:buClrTx/>
+              <a:buSzTx/>
+              <a:buFont typeface="Arial" pitchFamily="34" charset="0"/>
+              <a:buNone/>
+              <a:tabLst/>
+              <a:defRPr/>
+            </a:pPr>
+            <a:r>
+              <a:rPr kumimoji="0" lang="cs-CZ" sz="1600" b="0" i="0" u="none" strike="noStrike" kern="1200" cap="none" spc="0" normalizeH="0" baseline="0" noProof="0" dirty="0" smtClean="0">
+                <a:ln>
+                  <a:noFill/>
+                </a:ln>
+                <a:solidFill>
+                  <a:schemeClr val="lt1"/>
+                </a:solidFill>
+                <a:effectLst/>
+                <a:uLnTx/>
+                <a:uFillTx/>
+                <a:latin typeface="+mn-lt"/>
+                <a:ea typeface="+mn-ea"/>
+                <a:cs typeface="+mn-cs"/>
+              </a:rPr>
+              <a:t>Náhled</a:t>
+            </a:r>
+            <a:r>
+              <a:rPr kumimoji="0" lang="cs-CZ" sz="1600" b="0" i="0" u="none" strike="noStrike" kern="1200" cap="none" spc="0" normalizeH="0" noProof="0" dirty="0" smtClean="0">
+                <a:ln>
+                  <a:noFill/>
+                </a:ln>
+                <a:solidFill>
+                  <a:schemeClr val="lt1"/>
+                </a:solidFill>
+                <a:effectLst/>
+                <a:uLnTx/>
+                <a:uFillTx/>
+                <a:latin typeface="+mn-lt"/>
+                <a:ea typeface="+mn-ea"/>
+                <a:cs typeface="+mn-cs"/>
+              </a:rPr>
+              <a:t> kabiny</a:t>
+            </a:r>
+            <a:endParaRPr kumimoji="0" lang="cs-CZ" sz="1600" b="0" i="0" u="none" strike="noStrike" kern="1200" cap="none" spc="0" normalizeH="0" baseline="0" noProof="0" dirty="0" smtClean="0">
+              <a:ln>
+                <a:noFill/>
+              </a:ln>
+              <a:solidFill>
+                <a:schemeClr val="lt1"/>
+              </a:solidFill>
+              <a:effectLst/>
+              <a:uLnTx/>
+              <a:uFillTx/>
+              <a:latin typeface="+mn-lt"/>
+              <a:ea typeface="+mn-ea"/>
+              <a:cs typeface="+mn-cs"/>
+            </a:endParaRPr>
+          </a:p>
+        </p:txBody>
+      </p:sp>
+      <p:sp>
+        <p:nvSpPr>
+          <p:cNvPr id="16" name="Zástupný symbol pro obsah 5"/>
+          <p:cNvSpPr txBox="1">
+            <a:spLocks/>
+          </p:cNvSpPr>
+          <p:nvPr/>
+        </p:nvSpPr>
+        <p:spPr>
+          <a:xfrm>
+            <a:off x="7524328" y="1556792"/>
+            <a:ext cx="1440160" cy="432048"/>
+          </a:xfrm>
+          <a:prstGeom prst="rect">
+            <a:avLst/>
+          </a:prstGeom>
+        </p:spPr>
+        <p:style>
+          <a:lnRef idx="2">
+            <a:schemeClr val="accent1">
+              <a:shade val="50000"/>
+            </a:schemeClr>
+          </a:lnRef>
+          <a:fillRef idx="1">
+            <a:schemeClr val="accent1"/>
+          </a:fillRef>
+          <a:effectRef idx="0">
+            <a:schemeClr val="accent1"/>
+          </a:effectRef>
+          <a:fontRef idx="minor">
+            <a:schemeClr val="lt1"/>
+          </a:fontRef>
+        </p:style>
+        <p:txBody>
+          <a:bodyPr vert="horz" lIns="91440" tIns="45720" rIns="91440" bIns="45720" rtlCol="0" anchor="ctr">
+            <a:noAutofit/>
+          </a:bodyPr>
+          <a:lstStyle/>
+          <a:p>
+            <a:pPr marL="342900" marR="0" lvl="0" indent="-342900" algn="ctr" defTabSz="914400" rtl="0" eaLnBrk="1" fontAlgn="auto" latinLnBrk="0" hangingPunct="1">
+              <a:lnSpc>
+                <a:spcPct val="100000"/>
+              </a:lnSpc>
+              <a:spcBef>
+                <a:spcPct val="20000"/>
+              </a:spcBef>
+              <a:spcAft>
+                <a:spcPts val="0"/>
+              </a:spcAft>
+              <a:buClrTx/>
+              <a:buSzTx/>
+              <a:buFont typeface="Arial" pitchFamily="34" charset="0"/>
+              <a:buNone/>
+              <a:tabLst/>
+              <a:defRPr/>
+            </a:pPr>
+            <a:r>
+              <a:rPr lang="cs-CZ" sz="1600" dirty="0" smtClean="0"/>
+              <a:t>Rozbor objektu</a:t>
+            </a:r>
+            <a:endParaRPr kumimoji="0" lang="cs-CZ" sz="1600" b="0" i="0" u="none" strike="noStrike" kern="1200" cap="none" spc="0" normalizeH="0" baseline="0" noProof="0" dirty="0" smtClean="0">
+              <a:ln>
+                <a:noFill/>
+              </a:ln>
+              <a:solidFill>
+                <a:schemeClr val="lt1"/>
+              </a:solidFill>
+              <a:effectLst/>
+              <a:uLnTx/>
+              <a:uFillTx/>
+              <a:latin typeface="+mn-lt"/>
+              <a:ea typeface="+mn-ea"/>
+              <a:cs typeface="+mn-cs"/>
+            </a:endParaRPr>
+          </a:p>
+        </p:txBody>
+      </p:sp>
+      <p:sp>
+        <p:nvSpPr>
+          <p:cNvPr id="18" name="Obdélník 17"/>
+          <p:cNvSpPr/>
+          <p:nvPr/>
+        </p:nvSpPr>
+        <p:spPr>
+          <a:xfrm>
+            <a:off x="2699792" y="5733256"/>
+            <a:ext cx="1080120" cy="576064"/>
+          </a:xfrm>
+          <a:prstGeom prst="rect">
+            <a:avLst/>
+          </a:prstGeom>
+        </p:spPr>
+        <p:style>
+          <a:lnRef idx="2">
+            <a:schemeClr val="accent1">
+              <a:shade val="50000"/>
+            </a:schemeClr>
+          </a:lnRef>
+          <a:fillRef idx="1">
+            <a:schemeClr val="accent1"/>
+          </a:fillRef>
+          <a:effectRef idx="0">
+            <a:schemeClr val="accent1"/>
+          </a:effectRef>
+          <a:fontRef idx="minor">
+            <a:schemeClr val="lt1"/>
+          </a:fontRef>
+        </p:style>
+        <p:txBody>
+          <a:bodyPr rtlCol="0" anchor="ctr"/>
+          <a:lstStyle/>
+          <a:p>
+            <a:pPr algn="ctr"/>
+            <a:r>
+              <a:rPr lang="cs-CZ" dirty="0" smtClean="0"/>
+              <a:t>Report</a:t>
+            </a:r>
+            <a:endParaRPr lang="cs-CZ" dirty="0" smtClean="0"/>
+          </a:p>
+        </p:txBody>
+      </p:sp>
+      <p:sp>
+        <p:nvSpPr>
+          <p:cNvPr id="19" name="Obdélník 18"/>
+          <p:cNvSpPr/>
+          <p:nvPr/>
+        </p:nvSpPr>
+        <p:spPr>
+          <a:xfrm>
+            <a:off x="5004048" y="5733256"/>
+            <a:ext cx="1080120" cy="576064"/>
+          </a:xfrm>
+          <a:prstGeom prst="rect">
+            <a:avLst/>
+          </a:prstGeom>
+        </p:spPr>
+        <p:style>
+          <a:lnRef idx="2">
+            <a:schemeClr val="accent1">
+              <a:shade val="50000"/>
+            </a:schemeClr>
+          </a:lnRef>
+          <a:fillRef idx="1">
+            <a:schemeClr val="accent1"/>
+          </a:fillRef>
+          <a:effectRef idx="0">
+            <a:schemeClr val="accent1"/>
+          </a:effectRef>
+          <a:fontRef idx="minor">
+            <a:schemeClr val="lt1"/>
+          </a:fontRef>
+        </p:style>
+        <p:txBody>
+          <a:bodyPr rtlCol="0" anchor="ctr"/>
+          <a:lstStyle/>
+          <a:p>
+            <a:pPr algn="ctr"/>
+            <a:r>
+              <a:rPr lang="cs-CZ" dirty="0" smtClean="0"/>
+              <a:t>Zprávy</a:t>
+            </a:r>
+            <a:endParaRPr lang="cs-CZ" dirty="0" smtClean="0"/>
+          </a:p>
+        </p:txBody>
+      </p:sp>
+      <p:cxnSp>
+        <p:nvCxnSpPr>
+          <p:cNvPr id="21" name="Přímá spojovací šipka 20"/>
+          <p:cNvCxnSpPr>
+            <a:stCxn id="14" idx="3"/>
+            <a:endCxn id="13" idx="1"/>
+          </p:cNvCxnSpPr>
+          <p:nvPr/>
+        </p:nvCxnSpPr>
+        <p:spPr>
+          <a:xfrm>
+            <a:off x="4139952" y="2240868"/>
+            <a:ext cx="1224136" cy="0"/>
+          </a:xfrm>
+          <a:prstGeom prst="straightConnector1">
+            <a:avLst/>
+          </a:prstGeom>
+          <a:ln>
+            <a:headEnd type="arrow"/>
+            <a:tailEnd type="arrow"/>
+          </a:ln>
+        </p:spPr>
+        <p:style>
+          <a:lnRef idx="1">
+            <a:schemeClr val="accent1"/>
+          </a:lnRef>
+          <a:fillRef idx="0">
+            <a:schemeClr val="accent1"/>
+          </a:fillRef>
+          <a:effectRef idx="0">
+            <a:schemeClr val="accent1"/>
+          </a:effectRef>
+          <a:fontRef idx="minor">
+            <a:schemeClr val="tx1"/>
+          </a:fontRef>
+        </p:style>
+      </p:cxnSp>
+      <p:cxnSp>
+        <p:nvCxnSpPr>
+          <p:cNvPr id="24" name="Přímá spojovací šipka 23"/>
+          <p:cNvCxnSpPr>
+            <a:endCxn id="14" idx="2"/>
+          </p:cNvCxnSpPr>
+          <p:nvPr/>
+        </p:nvCxnSpPr>
+        <p:spPr>
+          <a:xfrm flipH="1" flipV="1">
+            <a:off x="3347864" y="2852936"/>
+            <a:ext cx="720080" cy="504056"/>
+          </a:xfrm>
+          <a:prstGeom prst="straightConnector1">
+            <a:avLst/>
+          </a:prstGeom>
+          <a:ln>
+            <a:tailEnd type="arrow"/>
+          </a:ln>
+        </p:spPr>
+        <p:style>
+          <a:lnRef idx="1">
+            <a:schemeClr val="accent1"/>
+          </a:lnRef>
+          <a:fillRef idx="0">
+            <a:schemeClr val="accent1"/>
+          </a:fillRef>
+          <a:effectRef idx="0">
+            <a:schemeClr val="accent1"/>
+          </a:effectRef>
+          <a:fontRef idx="minor">
+            <a:schemeClr val="tx1"/>
+          </a:fontRef>
+        </p:style>
+      </p:cxnSp>
+      <p:cxnSp>
+        <p:nvCxnSpPr>
+          <p:cNvPr id="33" name="Přímá spojovací šipka 32"/>
+          <p:cNvCxnSpPr>
+            <a:endCxn id="13" idx="2"/>
+          </p:cNvCxnSpPr>
+          <p:nvPr/>
+        </p:nvCxnSpPr>
+        <p:spPr>
+          <a:xfrm flipV="1">
+            <a:off x="5364088" y="2852936"/>
+            <a:ext cx="828092" cy="504056"/>
+          </a:xfrm>
+          <a:prstGeom prst="straightConnector1">
+            <a:avLst/>
+          </a:prstGeom>
+          <a:ln>
+            <a:tailEnd type="arrow"/>
+          </a:ln>
+        </p:spPr>
+        <p:style>
+          <a:lnRef idx="1">
+            <a:schemeClr val="accent1"/>
+          </a:lnRef>
+          <a:fillRef idx="0">
+            <a:schemeClr val="accent1"/>
+          </a:fillRef>
+          <a:effectRef idx="0">
+            <a:schemeClr val="accent1"/>
+          </a:effectRef>
+          <a:fontRef idx="minor">
+            <a:schemeClr val="tx1"/>
+          </a:fontRef>
+        </p:style>
+      </p:cxnSp>
+      <p:cxnSp>
+        <p:nvCxnSpPr>
+          <p:cNvPr id="39" name="Přímá spojovací šipka 38"/>
+          <p:cNvCxnSpPr>
+            <a:stCxn id="14" idx="1"/>
+            <a:endCxn id="9" idx="3"/>
+          </p:cNvCxnSpPr>
+          <p:nvPr/>
+        </p:nvCxnSpPr>
+        <p:spPr>
+          <a:xfrm flipH="1" flipV="1">
+            <a:off x="1331639" y="1808820"/>
+            <a:ext cx="1224137" cy="432048"/>
+          </a:xfrm>
+          <a:prstGeom prst="straightConnector1">
+            <a:avLst/>
+          </a:prstGeom>
+          <a:ln>
+            <a:tailEnd type="arrow"/>
+          </a:ln>
+        </p:spPr>
+        <p:style>
+          <a:lnRef idx="1">
+            <a:schemeClr val="accent1"/>
+          </a:lnRef>
+          <a:fillRef idx="0">
+            <a:schemeClr val="accent1"/>
+          </a:fillRef>
+          <a:effectRef idx="0">
+            <a:schemeClr val="accent1"/>
+          </a:effectRef>
+          <a:fontRef idx="minor">
+            <a:schemeClr val="tx1"/>
+          </a:fontRef>
+        </p:style>
+      </p:cxnSp>
+      <p:cxnSp>
+        <p:nvCxnSpPr>
+          <p:cNvPr id="44" name="Přímá spojovací šipka 43"/>
+          <p:cNvCxnSpPr>
+            <a:stCxn id="14" idx="1"/>
+            <a:endCxn id="10" idx="3"/>
+          </p:cNvCxnSpPr>
+          <p:nvPr/>
+        </p:nvCxnSpPr>
+        <p:spPr>
+          <a:xfrm flipH="1">
+            <a:off x="1331639" y="2240868"/>
+            <a:ext cx="1224137" cy="288032"/>
+          </a:xfrm>
+          <a:prstGeom prst="straightConnector1">
+            <a:avLst/>
+          </a:prstGeom>
+          <a:ln>
+            <a:tailEnd type="arrow"/>
+          </a:ln>
+        </p:spPr>
+        <p:style>
+          <a:lnRef idx="1">
+            <a:schemeClr val="accent1"/>
+          </a:lnRef>
+          <a:fillRef idx="0">
+            <a:schemeClr val="accent1"/>
+          </a:fillRef>
+          <a:effectRef idx="0">
+            <a:schemeClr val="accent1"/>
+          </a:effectRef>
+          <a:fontRef idx="minor">
+            <a:schemeClr val="tx1"/>
+          </a:fontRef>
+        </p:style>
+      </p:cxnSp>
+      <p:cxnSp>
+        <p:nvCxnSpPr>
+          <p:cNvPr id="47" name="Přímá spojovací šipka 46"/>
+          <p:cNvCxnSpPr>
+            <a:stCxn id="14" idx="1"/>
+            <a:endCxn id="11" idx="3"/>
+          </p:cNvCxnSpPr>
+          <p:nvPr/>
+        </p:nvCxnSpPr>
+        <p:spPr>
+          <a:xfrm flipH="1">
+            <a:off x="1331639" y="2240868"/>
+            <a:ext cx="1224137" cy="1008112"/>
+          </a:xfrm>
+          <a:prstGeom prst="straightConnector1">
+            <a:avLst/>
+          </a:prstGeom>
+          <a:ln>
+            <a:tailEnd type="arrow"/>
+          </a:ln>
+        </p:spPr>
+        <p:style>
+          <a:lnRef idx="1">
+            <a:schemeClr val="accent1"/>
+          </a:lnRef>
+          <a:fillRef idx="0">
+            <a:schemeClr val="accent1"/>
+          </a:fillRef>
+          <a:effectRef idx="0">
+            <a:schemeClr val="accent1"/>
+          </a:effectRef>
+          <a:fontRef idx="minor">
+            <a:schemeClr val="tx1"/>
+          </a:fontRef>
+        </p:style>
+      </p:cxnSp>
+      <p:cxnSp>
+        <p:nvCxnSpPr>
+          <p:cNvPr id="50" name="Přímá spojovací šipka 49"/>
+          <p:cNvCxnSpPr/>
+          <p:nvPr/>
+        </p:nvCxnSpPr>
+        <p:spPr>
+          <a:xfrm flipV="1">
+            <a:off x="7020272" y="1628800"/>
+            <a:ext cx="504056" cy="432048"/>
+          </a:xfrm>
+          <a:prstGeom prst="straightConnector1">
+            <a:avLst/>
+          </a:prstGeom>
+          <a:ln>
+            <a:tailEnd type="arrow"/>
+          </a:ln>
+        </p:spPr>
+        <p:style>
+          <a:lnRef idx="1">
+            <a:schemeClr val="accent1"/>
+          </a:lnRef>
+          <a:fillRef idx="0">
+            <a:schemeClr val="accent1"/>
+          </a:fillRef>
+          <a:effectRef idx="0">
+            <a:schemeClr val="accent1"/>
+          </a:effectRef>
+          <a:fontRef idx="minor">
+            <a:schemeClr val="tx1"/>
+          </a:fontRef>
+        </p:style>
+      </p:cxnSp>
+      <p:cxnSp>
+        <p:nvCxnSpPr>
+          <p:cNvPr id="55" name="Přímá spojovací šipka 54"/>
+          <p:cNvCxnSpPr>
+            <a:endCxn id="15" idx="1"/>
+          </p:cNvCxnSpPr>
+          <p:nvPr/>
+        </p:nvCxnSpPr>
+        <p:spPr>
+          <a:xfrm>
+            <a:off x="7020272" y="2060848"/>
+            <a:ext cx="504056" cy="432048"/>
+          </a:xfrm>
+          <a:prstGeom prst="straightConnector1">
+            <a:avLst/>
+          </a:prstGeom>
+          <a:ln>
+            <a:tailEnd type="arrow"/>
+          </a:ln>
+        </p:spPr>
+        <p:style>
+          <a:lnRef idx="1">
+            <a:schemeClr val="accent1"/>
+          </a:lnRef>
+          <a:fillRef idx="0">
+            <a:schemeClr val="accent1"/>
+          </a:fillRef>
+          <a:effectRef idx="0">
+            <a:schemeClr val="accent1"/>
+          </a:effectRef>
+          <a:fontRef idx="minor">
+            <a:schemeClr val="tx1"/>
+          </a:fontRef>
+        </p:style>
+      </p:cxnSp>
+      <p:cxnSp>
+        <p:nvCxnSpPr>
+          <p:cNvPr id="62" name="Přímá spojovací šipka 61"/>
+          <p:cNvCxnSpPr>
+            <a:endCxn id="18" idx="0"/>
+          </p:cNvCxnSpPr>
+          <p:nvPr/>
+        </p:nvCxnSpPr>
+        <p:spPr>
+          <a:xfrm flipH="1">
+            <a:off x="3239852" y="4797152"/>
+            <a:ext cx="1260140" cy="936104"/>
+          </a:xfrm>
+          <a:prstGeom prst="straightConnector1">
+            <a:avLst/>
+          </a:prstGeom>
+          <a:ln>
+            <a:tailEnd type="arrow"/>
+          </a:ln>
+        </p:spPr>
+        <p:style>
+          <a:lnRef idx="1">
+            <a:schemeClr val="accent1"/>
+          </a:lnRef>
+          <a:fillRef idx="0">
+            <a:schemeClr val="accent1"/>
+          </a:fillRef>
+          <a:effectRef idx="0">
+            <a:schemeClr val="accent1"/>
+          </a:effectRef>
+          <a:fontRef idx="minor">
+            <a:schemeClr val="tx1"/>
+          </a:fontRef>
+        </p:style>
+      </p:cxnSp>
+      <p:cxnSp>
+        <p:nvCxnSpPr>
+          <p:cNvPr id="63" name="Přímá spojovací šipka 62"/>
+          <p:cNvCxnSpPr>
+            <a:stCxn id="17" idx="2"/>
+            <a:endCxn id="19" idx="0"/>
+          </p:cNvCxnSpPr>
+          <p:nvPr/>
+        </p:nvCxnSpPr>
+        <p:spPr>
+          <a:xfrm>
+            <a:off x="4716016" y="4797152"/>
+            <a:ext cx="828092" cy="936104"/>
+          </a:xfrm>
+          <a:prstGeom prst="straightConnector1">
+            <a:avLst/>
+          </a:prstGeom>
+          <a:ln>
+            <a:tailEnd type="arrow"/>
+          </a:ln>
+        </p:spPr>
+        <p:style>
+          <a:lnRef idx="1">
+            <a:schemeClr val="accent1"/>
+          </a:lnRef>
+          <a:fillRef idx="0">
+            <a:schemeClr val="accent1"/>
+          </a:fillRef>
+          <a:effectRef idx="0">
+            <a:schemeClr val="accent1"/>
+          </a:effectRef>
+          <a:fontRef idx="minor">
+            <a:schemeClr val="tx1"/>
+          </a:fontRef>
+        </p:style>
+      </p:cxnSp>
+      <p:cxnSp>
+        <p:nvCxnSpPr>
+          <p:cNvPr id="70" name="Přímá spojovací šipka 69"/>
+          <p:cNvCxnSpPr>
+            <a:endCxn id="12" idx="1"/>
+          </p:cNvCxnSpPr>
+          <p:nvPr/>
+        </p:nvCxnSpPr>
+        <p:spPr>
+          <a:xfrm flipV="1">
+            <a:off x="5364088" y="3753036"/>
+            <a:ext cx="1296144" cy="36004"/>
+          </a:xfrm>
+          <a:prstGeom prst="straightConnector1">
+            <a:avLst/>
+          </a:prstGeom>
+          <a:ln>
+            <a:tailEnd type="arrow"/>
+          </a:ln>
+        </p:spPr>
+        <p:style>
+          <a:lnRef idx="1">
+            <a:schemeClr val="accent1"/>
+          </a:lnRef>
+          <a:fillRef idx="0">
+            <a:schemeClr val="accent1"/>
+          </a:fillRef>
+          <a:effectRef idx="0">
+            <a:schemeClr val="accent1"/>
+          </a:effectRef>
+          <a:fontRef idx="minor">
+            <a:schemeClr val="tx1"/>
+          </a:fontRef>
+        </p:style>
+      </p:cxnSp>
+      <p:cxnSp>
+        <p:nvCxnSpPr>
+          <p:cNvPr id="79" name="Přímá spojovací šipka 78"/>
+          <p:cNvCxnSpPr>
+            <a:stCxn id="19" idx="1"/>
+            <a:endCxn id="18" idx="3"/>
+          </p:cNvCxnSpPr>
+          <p:nvPr/>
+        </p:nvCxnSpPr>
+        <p:spPr>
+          <a:xfrm flipH="1">
+            <a:off x="3779912" y="6021288"/>
+            <a:ext cx="1224136" cy="0"/>
+          </a:xfrm>
+          <a:prstGeom prst="straightConnector1">
+            <a:avLst/>
+          </a:prstGeom>
+          <a:ln>
+            <a:tailEnd type="arrow"/>
+          </a:ln>
+        </p:spPr>
+        <p:style>
+          <a:lnRef idx="1">
+            <a:schemeClr val="accent1"/>
+          </a:lnRef>
+          <a:fillRef idx="0">
+            <a:schemeClr val="accent1"/>
+          </a:fillRef>
+          <a:effectRef idx="0">
+            <a:schemeClr val="accent1"/>
+          </a:effectRef>
+          <a:fontRef idx="minor">
+            <a:schemeClr val="tx1"/>
+          </a:fontRef>
+        </p:style>
+      </p:cxnSp>
+      <p:sp>
+        <p:nvSpPr>
+          <p:cNvPr id="80" name="TextovéPole 79"/>
+          <p:cNvSpPr txBox="1"/>
+          <p:nvPr/>
+        </p:nvSpPr>
+        <p:spPr>
+          <a:xfrm flipH="1">
+            <a:off x="6156176" y="5661248"/>
+            <a:ext cx="2664296" cy="646331"/>
+          </a:xfrm>
+          <a:prstGeom prst="rect">
+            <a:avLst/>
+          </a:prstGeom>
+          <a:noFill/>
+        </p:spPr>
+        <p:txBody>
+          <a:bodyPr wrap="square" rtlCol="0">
+            <a:spAutoFit/>
+          </a:bodyPr>
+          <a:lstStyle/>
+          <a:p>
+            <a:r>
+              <a:rPr lang="cs-CZ" dirty="0" smtClean="0">
+                <a:solidFill>
+                  <a:schemeClr val="accent6">
+                    <a:lumMod val="75000"/>
+                  </a:schemeClr>
+                </a:solidFill>
+              </a:rPr>
+              <a:t>Informace o lince problémy a doporučení</a:t>
+            </a:r>
+            <a:endParaRPr lang="cs-CZ" dirty="0">
+              <a:solidFill>
+                <a:schemeClr val="accent6">
+                  <a:lumMod val="75000"/>
                 </a:schemeClr>
               </a:solidFill>
             </a:endParaRPr>
@@ -3167,234 +5998,414 @@
       </p:sp>
       <p:sp>
         <p:nvSpPr>
-          <p:cNvPr id="3" name="Zástupný symbol pro obsah 2"/>
-          <p:cNvSpPr>
-            <a:spLocks noGrp="1"/>
-          </p:cNvSpPr>
-          <p:nvPr>
-            <p:ph idx="1"/>
-          </p:nvPr>
-        </p:nvSpPr>
-        <p:spPr/>
-        <p:txBody>
-          <a:bodyPr>
-            <a:normAutofit fontScale="92500" lnSpcReduction="10000"/>
-          </a:bodyPr>
-          <a:lstStyle/>
-          <a:p>
-            <a:r>
-              <a:rPr lang="cs-CZ" dirty="0" smtClean="0">
-                <a:solidFill>
-                  <a:schemeClr val="tx2">
-                    <a:lumMod val="60000"/>
-                    <a:lumOff val="40000"/>
-                  </a:schemeClr>
-                </a:solidFill>
-              </a:rPr>
-              <a:t>Vyznačení </a:t>
-            </a:r>
-            <a:r>
-              <a:rPr lang="cs-CZ" smtClean="0">
-                <a:solidFill>
-                  <a:schemeClr val="tx2">
-                    <a:lumMod val="60000"/>
-                    <a:lumOff val="40000"/>
-                  </a:schemeClr>
-                </a:solidFill>
-              </a:rPr>
-              <a:t>korelace hodnot </a:t>
-            </a:r>
-            <a:r>
-              <a:rPr lang="cs-CZ" dirty="0" smtClean="0">
-                <a:solidFill>
-                  <a:schemeClr val="tx2">
-                    <a:lumMod val="60000"/>
-                    <a:lumOff val="40000"/>
-                  </a:schemeClr>
-                </a:solidFill>
-              </a:rPr>
-              <a:t>na základě zadaného vstupu</a:t>
-            </a:r>
-          </a:p>
-          <a:p>
-            <a:r>
-              <a:rPr lang="cs-CZ" dirty="0" smtClean="0">
-                <a:solidFill>
-                  <a:schemeClr val="tx2">
-                    <a:lumMod val="60000"/>
-                    <a:lumOff val="40000"/>
-                  </a:schemeClr>
-                </a:solidFill>
-              </a:rPr>
-              <a:t>Zámky neměnných hodnot </a:t>
-            </a:r>
-          </a:p>
-          <a:p>
-            <a:r>
-              <a:rPr lang="en-GB" dirty="0" smtClean="0">
-                <a:solidFill>
-                  <a:schemeClr val="tx2">
-                    <a:lumMod val="60000"/>
-                    <a:lumOff val="40000"/>
-                  </a:schemeClr>
-                </a:solidFill>
-              </a:rPr>
-              <a:t>Hl</a:t>
-            </a:r>
-            <a:r>
-              <a:rPr lang="cs-CZ" dirty="0" err="1" smtClean="0">
-                <a:solidFill>
-                  <a:schemeClr val="tx2">
-                    <a:lumMod val="60000"/>
-                    <a:lumOff val="40000"/>
-                  </a:schemeClr>
-                </a:solidFill>
-              </a:rPr>
-              <a:t>ídání</a:t>
-            </a:r>
-            <a:r>
-              <a:rPr lang="cs-CZ" dirty="0" smtClean="0">
-                <a:solidFill>
-                  <a:schemeClr val="tx2">
-                    <a:lumMod val="60000"/>
-                    <a:lumOff val="40000"/>
-                  </a:schemeClr>
-                </a:solidFill>
-              </a:rPr>
-              <a:t> rychlosti přejezdu</a:t>
-            </a:r>
-          </a:p>
-          <a:p>
-            <a:r>
-              <a:rPr lang="cs-CZ" dirty="0" smtClean="0">
-                <a:solidFill>
-                  <a:schemeClr val="tx2">
-                    <a:lumMod val="60000"/>
-                    <a:lumOff val="40000"/>
-                  </a:schemeClr>
-                </a:solidFill>
-              </a:rPr>
-              <a:t>Animace a náhled  kabiny</a:t>
-            </a:r>
-          </a:p>
-          <a:p>
-            <a:r>
-              <a:rPr lang="cs-CZ" dirty="0" smtClean="0">
-                <a:solidFill>
-                  <a:schemeClr val="tx2">
-                    <a:lumMod val="60000"/>
-                    <a:lumOff val="40000"/>
-                  </a:schemeClr>
-                </a:solidFill>
-              </a:rPr>
-              <a:t>Našeptávač validních hodnot</a:t>
-            </a:r>
-          </a:p>
-          <a:p>
-            <a:r>
-              <a:rPr lang="cs-CZ" dirty="0" smtClean="0">
-                <a:solidFill>
-                  <a:schemeClr val="tx2">
-                    <a:lumMod val="60000"/>
-                    <a:lumOff val="40000"/>
-                  </a:schemeClr>
-                </a:solidFill>
-              </a:rPr>
-              <a:t>Přímý vstup do nastavení projektu</a:t>
-            </a:r>
-            <a:r>
-              <a:rPr lang="cs-CZ" sz="2800" dirty="0" smtClean="0">
-                <a:solidFill>
-                  <a:schemeClr val="tx2">
-                    <a:lumMod val="60000"/>
-                    <a:lumOff val="40000"/>
-                  </a:schemeClr>
-                </a:solidFill>
-              </a:rPr>
-              <a:t> </a:t>
-            </a:r>
-            <a:r>
-              <a:rPr lang="cs-CZ" sz="2400" dirty="0" smtClean="0">
-                <a:solidFill>
-                  <a:schemeClr val="tx2">
-                    <a:lumMod val="60000"/>
-                    <a:lumOff val="40000"/>
-                  </a:schemeClr>
-                </a:solidFill>
-              </a:rPr>
-              <a:t>(pohony, </a:t>
-            </a:r>
-            <a:r>
-              <a:rPr lang="cs-CZ" sz="2400" dirty="0" err="1" smtClean="0">
-                <a:solidFill>
-                  <a:schemeClr val="tx2">
-                    <a:lumMod val="60000"/>
-                    <a:lumOff val="40000"/>
-                  </a:schemeClr>
-                </a:solidFill>
-              </a:rPr>
+          <p:cNvPr id="31" name="Zaoblený obdélník 30"/>
+          <p:cNvSpPr/>
+          <p:nvPr/>
+        </p:nvSpPr>
+        <p:spPr>
+          <a:xfrm>
+            <a:off x="1691680" y="5589240"/>
+            <a:ext cx="792088" cy="360040"/>
+          </a:xfrm>
+          <a:prstGeom prst="roundRect">
+            <a:avLst/>
+          </a:prstGeom>
+          <a:solidFill>
+            <a:srgbClr val="00B050">
+              <a:alpha val="66000"/>
+            </a:srgbClr>
+          </a:solidFill>
+        </p:spPr>
+        <p:style>
+          <a:lnRef idx="2">
+            <a:schemeClr val="accent1">
+              <a:shade val="50000"/>
+            </a:schemeClr>
+          </a:lnRef>
+          <a:fillRef idx="1">
+            <a:schemeClr val="accent1"/>
+          </a:fillRef>
+          <a:effectRef idx="0">
+            <a:schemeClr val="accent1"/>
+          </a:effectRef>
+          <a:fontRef idx="minor">
+            <a:schemeClr val="lt1"/>
+          </a:fontRef>
+        </p:style>
+        <p:txBody>
+          <a:bodyPr rtlCol="0" anchor="ctr"/>
+          <a:lstStyle/>
+          <a:p>
+            <a:pPr algn="ctr"/>
+            <a:r>
+              <a:rPr lang="cs-CZ" sz="1400" dirty="0" smtClean="0"/>
+              <a:t>HTML</a:t>
+            </a:r>
+            <a:endParaRPr lang="cs-CZ" sz="1400" dirty="0"/>
+          </a:p>
+        </p:txBody>
+      </p:sp>
+      <p:sp>
+        <p:nvSpPr>
+          <p:cNvPr id="32" name="Zaoblený obdélník 31"/>
+          <p:cNvSpPr/>
+          <p:nvPr/>
+        </p:nvSpPr>
+        <p:spPr>
+          <a:xfrm>
+            <a:off x="1691680" y="6093296"/>
+            <a:ext cx="792088" cy="360040"/>
+          </a:xfrm>
+          <a:prstGeom prst="roundRect">
+            <a:avLst/>
+          </a:prstGeom>
+          <a:solidFill>
+            <a:srgbClr val="00B050">
+              <a:alpha val="66000"/>
+            </a:srgbClr>
+          </a:solidFill>
+        </p:spPr>
+        <p:style>
+          <a:lnRef idx="2">
+            <a:schemeClr val="accent1">
+              <a:shade val="50000"/>
+            </a:schemeClr>
+          </a:lnRef>
+          <a:fillRef idx="1">
+            <a:schemeClr val="accent1"/>
+          </a:fillRef>
+          <a:effectRef idx="0">
+            <a:schemeClr val="accent1"/>
+          </a:effectRef>
+          <a:fontRef idx="minor">
+            <a:schemeClr val="lt1"/>
+          </a:fontRef>
+        </p:style>
+        <p:txBody>
+          <a:bodyPr rtlCol="0" anchor="ctr"/>
+          <a:lstStyle/>
+          <a:p>
+            <a:pPr algn="ctr"/>
+            <a:r>
+              <a:rPr lang="cs-CZ" sz="1400" dirty="0" smtClean="0"/>
+              <a:t>CSV</a:t>
+            </a:r>
+            <a:endParaRPr lang="cs-CZ" sz="1400" dirty="0"/>
+          </a:p>
+        </p:txBody>
+      </p:sp>
+      <p:sp>
+        <p:nvSpPr>
+          <p:cNvPr id="34" name="Zaoblený obdélník 33"/>
+          <p:cNvSpPr/>
+          <p:nvPr/>
+        </p:nvSpPr>
+        <p:spPr>
+          <a:xfrm>
+            <a:off x="4283968" y="1412776"/>
+            <a:ext cx="1008112" cy="504056"/>
+          </a:xfrm>
+          <a:prstGeom prst="roundRect">
+            <a:avLst/>
+          </a:prstGeom>
+          <a:solidFill>
+            <a:srgbClr val="00B050">
+              <a:alpha val="66000"/>
+            </a:srgbClr>
+          </a:solidFill>
+        </p:spPr>
+        <p:style>
+          <a:lnRef idx="2">
+            <a:schemeClr val="accent1">
+              <a:shade val="50000"/>
+            </a:schemeClr>
+          </a:lnRef>
+          <a:fillRef idx="1">
+            <a:schemeClr val="accent1"/>
+          </a:fillRef>
+          <a:effectRef idx="0">
+            <a:schemeClr val="accent1"/>
+          </a:effectRef>
+          <a:fontRef idx="minor">
+            <a:schemeClr val="lt1"/>
+          </a:fontRef>
+        </p:style>
+        <p:txBody>
+          <a:bodyPr rtlCol="0" anchor="ctr"/>
+          <a:lstStyle/>
+          <a:p>
+            <a:pPr algn="ctr"/>
+            <a:r>
+              <a:rPr lang="cs-CZ" sz="1100" dirty="0" err="1" smtClean="0"/>
+              <a:t>Dop.pohony</a:t>
+            </a:r>
+            <a:endParaRPr lang="cs-CZ" sz="1100" dirty="0"/>
+          </a:p>
+        </p:txBody>
+      </p:sp>
+      <p:sp>
+        <p:nvSpPr>
+          <p:cNvPr id="35" name="Zaoblený obdélník 34"/>
+          <p:cNvSpPr/>
+          <p:nvPr/>
+        </p:nvSpPr>
+        <p:spPr>
+          <a:xfrm>
+            <a:off x="251520" y="908720"/>
+            <a:ext cx="1008112" cy="432048"/>
+          </a:xfrm>
+          <a:prstGeom prst="roundRect">
+            <a:avLst/>
+          </a:prstGeom>
+          <a:solidFill>
+            <a:srgbClr val="00B050">
+              <a:alpha val="66000"/>
+            </a:srgbClr>
+          </a:solidFill>
+        </p:spPr>
+        <p:style>
+          <a:lnRef idx="2">
+            <a:schemeClr val="accent1">
+              <a:shade val="50000"/>
+            </a:schemeClr>
+          </a:lnRef>
+          <a:fillRef idx="1">
+            <a:schemeClr val="accent1"/>
+          </a:fillRef>
+          <a:effectRef idx="0">
+            <a:schemeClr val="accent1"/>
+          </a:effectRef>
+          <a:fontRef idx="minor">
+            <a:schemeClr val="lt1"/>
+          </a:fontRef>
+        </p:style>
+        <p:txBody>
+          <a:bodyPr rtlCol="0" anchor="ctr"/>
+          <a:lstStyle/>
+          <a:p>
+            <a:pPr algn="ctr"/>
+            <a:r>
+              <a:rPr lang="cs-CZ" sz="1100" dirty="0" smtClean="0"/>
+              <a:t>Live </a:t>
+            </a:r>
+            <a:r>
+              <a:rPr lang="cs-CZ" sz="1100" dirty="0" err="1" smtClean="0"/>
+              <a:t>view</a:t>
+            </a:r>
+            <a:endParaRPr lang="cs-CZ" sz="1100" dirty="0"/>
+          </a:p>
+        </p:txBody>
+      </p:sp>
+      <p:cxnSp>
+        <p:nvCxnSpPr>
+          <p:cNvPr id="36" name="Přímá spojovací šipka 35"/>
+          <p:cNvCxnSpPr>
+            <a:stCxn id="18" idx="1"/>
+            <a:endCxn id="31" idx="3"/>
+          </p:cNvCxnSpPr>
+          <p:nvPr/>
+        </p:nvCxnSpPr>
+        <p:spPr>
+          <a:xfrm flipH="1" flipV="1">
+            <a:off x="2483768" y="5769260"/>
+            <a:ext cx="216024" cy="252028"/>
+          </a:xfrm>
+          <a:prstGeom prst="straightConnector1">
+            <a:avLst/>
+          </a:prstGeom>
+          <a:ln>
+            <a:tailEnd type="arrow"/>
+          </a:ln>
+        </p:spPr>
+        <p:style>
+          <a:lnRef idx="1">
+            <a:schemeClr val="accent1"/>
+          </a:lnRef>
+          <a:fillRef idx="0">
+            <a:schemeClr val="accent1"/>
+          </a:fillRef>
+          <a:effectRef idx="0">
+            <a:schemeClr val="accent1"/>
+          </a:effectRef>
+          <a:fontRef idx="minor">
+            <a:schemeClr val="tx1"/>
+          </a:fontRef>
+        </p:style>
+      </p:cxnSp>
+      <p:cxnSp>
+        <p:nvCxnSpPr>
+          <p:cNvPr id="40" name="Přímá spojovací šipka 39"/>
+          <p:cNvCxnSpPr>
+            <a:stCxn id="18" idx="1"/>
+            <a:endCxn id="32" idx="3"/>
+          </p:cNvCxnSpPr>
+          <p:nvPr/>
+        </p:nvCxnSpPr>
+        <p:spPr>
+          <a:xfrm flipH="1">
+            <a:off x="2483768" y="6021288"/>
+            <a:ext cx="216024" cy="252028"/>
+          </a:xfrm>
+          <a:prstGeom prst="straightConnector1">
+            <a:avLst/>
+          </a:prstGeom>
+          <a:ln>
+            <a:tailEnd type="arrow"/>
+          </a:ln>
+        </p:spPr>
+        <p:style>
+          <a:lnRef idx="1">
+            <a:schemeClr val="accent1"/>
+          </a:lnRef>
+          <a:fillRef idx="0">
+            <a:schemeClr val="accent1"/>
+          </a:fillRef>
+          <a:effectRef idx="0">
+            <a:schemeClr val="accent1"/>
+          </a:effectRef>
+          <a:fontRef idx="minor">
+            <a:schemeClr val="tx1"/>
+          </a:fontRef>
+        </p:style>
+      </p:cxnSp>
+      <p:cxnSp>
+        <p:nvCxnSpPr>
+          <p:cNvPr id="43" name="Přímá spojovací šipka 42"/>
+          <p:cNvCxnSpPr>
+            <a:stCxn id="34" idx="2"/>
+          </p:cNvCxnSpPr>
+          <p:nvPr/>
+        </p:nvCxnSpPr>
+        <p:spPr>
+          <a:xfrm flipH="1">
+            <a:off x="4139952" y="1916832"/>
+            <a:ext cx="648072" cy="144016"/>
+          </a:xfrm>
+          <a:prstGeom prst="straightConnector1">
+            <a:avLst/>
+          </a:prstGeom>
+          <a:ln>
+            <a:tailEnd type="arrow"/>
+          </a:ln>
+        </p:spPr>
+        <p:style>
+          <a:lnRef idx="1">
+            <a:schemeClr val="accent1"/>
+          </a:lnRef>
+          <a:fillRef idx="0">
+            <a:schemeClr val="accent1"/>
+          </a:fillRef>
+          <a:effectRef idx="0">
+            <a:schemeClr val="accent1"/>
+          </a:effectRef>
+          <a:fontRef idx="minor">
+            <a:schemeClr val="tx1"/>
+          </a:fontRef>
+        </p:style>
+      </p:cxnSp>
+      <p:sp>
+        <p:nvSpPr>
+          <p:cNvPr id="51" name="Zaoblený obdélník 50"/>
+          <p:cNvSpPr/>
+          <p:nvPr/>
+        </p:nvSpPr>
+        <p:spPr>
+          <a:xfrm>
+            <a:off x="1619672" y="1628800"/>
+            <a:ext cx="864096" cy="288032"/>
+          </a:xfrm>
+          <a:prstGeom prst="roundRect">
+            <a:avLst/>
+          </a:prstGeom>
+          <a:solidFill>
+            <a:srgbClr val="00B050">
+              <a:alpha val="66000"/>
+            </a:srgbClr>
+          </a:solidFill>
+        </p:spPr>
+        <p:style>
+          <a:lnRef idx="2">
+            <a:schemeClr val="accent1">
+              <a:shade val="50000"/>
+            </a:schemeClr>
+          </a:lnRef>
+          <a:fillRef idx="1">
+            <a:schemeClr val="accent1"/>
+          </a:fillRef>
+          <a:effectRef idx="0">
+            <a:schemeClr val="accent1"/>
+          </a:effectRef>
+          <a:fontRef idx="minor">
+            <a:schemeClr val="lt1"/>
+          </a:fontRef>
+        </p:style>
+        <p:txBody>
+          <a:bodyPr rtlCol="0" anchor="ctr"/>
+          <a:lstStyle/>
+          <a:p>
+            <a:pPr algn="ctr"/>
+            <a:r>
+              <a:rPr lang="cs-CZ" sz="1400" dirty="0" smtClean="0"/>
+              <a:t>Správa</a:t>
+            </a:r>
+            <a:endParaRPr lang="cs-CZ" sz="1400" dirty="0"/>
+          </a:p>
+        </p:txBody>
+      </p:sp>
+      <p:sp>
+        <p:nvSpPr>
+          <p:cNvPr id="52" name="Zaoblený obdélník 51"/>
+          <p:cNvSpPr/>
+          <p:nvPr/>
+        </p:nvSpPr>
+        <p:spPr>
+          <a:xfrm>
+            <a:off x="1619672" y="1988840"/>
+            <a:ext cx="864096" cy="1152128"/>
+          </a:xfrm>
+          <a:prstGeom prst="roundRect">
+            <a:avLst/>
+          </a:prstGeom>
+          <a:solidFill>
+            <a:srgbClr val="00B050">
+              <a:alpha val="66000"/>
+            </a:srgbClr>
+          </a:solidFill>
+        </p:spPr>
+        <p:style>
+          <a:lnRef idx="2">
+            <a:schemeClr val="accent1">
+              <a:shade val="50000"/>
+            </a:schemeClr>
+          </a:lnRef>
+          <a:fillRef idx="1">
+            <a:schemeClr val="accent1"/>
+          </a:fillRef>
+          <a:effectRef idx="0">
+            <a:schemeClr val="accent1"/>
+          </a:effectRef>
+          <a:fontRef idx="minor">
+            <a:schemeClr val="lt1"/>
+          </a:fontRef>
+        </p:style>
+        <p:txBody>
+          <a:bodyPr rtlCol="0" anchor="ctr"/>
+          <a:lstStyle/>
+          <a:p>
+            <a:pPr algn="ctr"/>
+            <a:r>
+              <a:rPr lang="cs-CZ" sz="1400" dirty="0" smtClean="0"/>
+              <a:t>TT, rozměry </a:t>
+            </a:r>
+            <a:r>
+              <a:rPr lang="cs-CZ" sz="1400" dirty="0" err="1" smtClean="0"/>
               <a:t>jig</a:t>
             </a:r>
             <a:r>
-              <a:rPr lang="cs-CZ" sz="2400" dirty="0" smtClean="0">
-                <a:solidFill>
-                  <a:schemeClr val="tx2">
-                    <a:lumMod val="60000"/>
-                    <a:lumOff val="40000"/>
-                  </a:schemeClr>
-                </a:solidFill>
-              </a:rPr>
-              <a:t>,…)</a:t>
-            </a:r>
-          </a:p>
-          <a:p>
-            <a:r>
-              <a:rPr lang="cs-CZ" dirty="0" smtClean="0">
-                <a:solidFill>
-                  <a:schemeClr val="tx2">
-                    <a:lumMod val="60000"/>
-                    <a:lumOff val="40000"/>
-                  </a:schemeClr>
-                </a:solidFill>
-              </a:rPr>
-              <a:t>Lokální převody jednotek</a:t>
-            </a:r>
-          </a:p>
-          <a:p>
-            <a:r>
-              <a:rPr lang="cs-CZ" dirty="0" smtClean="0">
-                <a:solidFill>
-                  <a:schemeClr val="tx2">
-                    <a:lumMod val="60000"/>
-                    <a:lumOff val="40000"/>
-                  </a:schemeClr>
-                </a:solidFill>
-              </a:rPr>
-              <a:t>Okamžitá interakce aplikace </a:t>
-            </a:r>
-          </a:p>
-          <a:p>
-            <a:pPr>
-              <a:buNone/>
-            </a:pPr>
-            <a:endParaRPr lang="cs-CZ" dirty="0" smtClean="0">
-              <a:solidFill>
-                <a:schemeClr val="tx2">
-                  <a:lumMod val="60000"/>
-                  <a:lumOff val="40000"/>
-                </a:schemeClr>
-              </a:solidFill>
-            </a:endParaRPr>
-          </a:p>
-          <a:p>
-            <a:endParaRPr lang="cs-CZ" dirty="0" smtClean="0">
-              <a:solidFill>
-                <a:schemeClr val="tx2">
-                  <a:lumMod val="60000"/>
-                  <a:lumOff val="40000"/>
-                </a:schemeClr>
-              </a:solidFill>
-            </a:endParaRPr>
+              <a:rPr lang="cs-CZ" sz="1400" dirty="0" smtClean="0"/>
+              <a:t>, pohony</a:t>
+            </a:r>
+            <a:endParaRPr lang="cs-CZ" sz="1400" dirty="0"/>
           </a:p>
         </p:txBody>
       </p:sp>
@@ -3430,151 +6441,46 @@
             <a:spLocks noGrp="1"/>
           </p:cNvSpPr>
           <p:nvPr>
-            <p:ph type="title"/>
+            <p:ph type="ctrTitle"/>
           </p:nvPr>
         </p:nvSpPr>
         <p:spPr/>
         <p:txBody>
-          <a:bodyPr>
-            <a:normAutofit fontScale="90000"/>
-          </a:bodyPr>
+          <a:bodyPr/>
           <a:lstStyle/>
           <a:p>
             <a:r>
               <a:rPr lang="cs-CZ" dirty="0" smtClean="0"/>
-              <a:t>STOP </a:t>
-            </a:r>
-            <a:r>
-              <a:rPr lang="en-GB" dirty="0" smtClean="0"/>
-              <a:t>&amp; GO </a:t>
-            </a:r>
-            <a:br>
-              <a:rPr lang="en-GB" dirty="0" smtClean="0"/>
-            </a:br>
-            <a:r>
-              <a:rPr lang="en-GB" dirty="0" smtClean="0"/>
+              <a:t>Parametry </a:t>
+            </a:r>
+            <a:r>
+              <a:rPr lang="cs-CZ" dirty="0" smtClean="0"/>
+              <a:t>linky</a:t>
+            </a:r>
+            <a:endParaRPr lang="cs-CZ" dirty="0"/>
+          </a:p>
+        </p:txBody>
+      </p:sp>
+      <p:sp>
+        <p:nvSpPr>
+          <p:cNvPr id="3" name="Podnadpis 2"/>
+          <p:cNvSpPr>
+            <a:spLocks noGrp="1"/>
+          </p:cNvSpPr>
+          <p:nvPr>
+            <p:ph type="subTitle" idx="1"/>
+          </p:nvPr>
+        </p:nvSpPr>
+        <p:spPr/>
+        <p:txBody>
+          <a:bodyPr/>
+          <a:lstStyle/>
+          <a:p>
+            <a:r>
+              <a:rPr lang="cs-CZ" dirty="0" err="1" smtClean="0"/>
               <a:t>features</a:t>
             </a:r>
             <a:endParaRPr lang="cs-CZ" dirty="0"/>
-          </a:p>
-        </p:txBody>
-      </p:sp>
-      <p:sp>
-        <p:nvSpPr>
-          <p:cNvPr id="3" name="Zástupný symbol pro obsah 2"/>
-          <p:cNvSpPr>
-            <a:spLocks noGrp="1"/>
-          </p:cNvSpPr>
-          <p:nvPr>
-            <p:ph idx="1"/>
-          </p:nvPr>
-        </p:nvSpPr>
-        <p:spPr/>
-        <p:txBody>
-          <a:bodyPr/>
-          <a:lstStyle/>
-          <a:p>
-            <a:r>
-              <a:rPr lang="cs-CZ" dirty="0" smtClean="0">
-                <a:solidFill>
-                  <a:schemeClr val="tx2">
-                    <a:lumMod val="60000"/>
-                    <a:lumOff val="40000"/>
-                  </a:schemeClr>
-                </a:solidFill>
-              </a:rPr>
-              <a:t>Automatická možnost rozložení na více objektů – v případě násobku </a:t>
-            </a:r>
-            <a:r>
-              <a:rPr lang="cs-CZ" dirty="0" err="1" smtClean="0">
-                <a:solidFill>
-                  <a:schemeClr val="tx2">
-                    <a:lumMod val="60000"/>
-                    <a:lumOff val="40000"/>
-                  </a:schemeClr>
-                </a:solidFill>
-              </a:rPr>
-              <a:t>TaktTime</a:t>
-            </a:r>
-            <a:endParaRPr lang="cs-CZ" dirty="0" smtClean="0">
-              <a:solidFill>
-                <a:schemeClr val="tx2">
-                  <a:lumMod val="60000"/>
-                  <a:lumOff val="40000"/>
-                </a:schemeClr>
-              </a:solidFill>
-            </a:endParaRPr>
-          </a:p>
-          <a:p>
-            <a:r>
-              <a:rPr lang="cs-CZ" dirty="0" smtClean="0">
-                <a:solidFill>
-                  <a:schemeClr val="tx2">
-                    <a:lumMod val="60000"/>
-                    <a:lumOff val="40000"/>
-                  </a:schemeClr>
-                </a:solidFill>
-              </a:rPr>
-              <a:t>Hlídání CT vůči </a:t>
-            </a:r>
-            <a:r>
-              <a:rPr lang="cs-CZ" dirty="0" err="1" smtClean="0">
-                <a:solidFill>
-                  <a:schemeClr val="tx2">
-                    <a:lumMod val="60000"/>
-                    <a:lumOff val="40000"/>
-                  </a:schemeClr>
-                </a:solidFill>
-              </a:rPr>
-              <a:t>TaktTime</a:t>
-            </a:r>
-            <a:endParaRPr lang="cs-CZ" dirty="0" smtClean="0">
-              <a:solidFill>
-                <a:schemeClr val="tx2">
-                  <a:lumMod val="60000"/>
-                  <a:lumOff val="40000"/>
-                </a:schemeClr>
-              </a:solidFill>
-            </a:endParaRPr>
-          </a:p>
-          <a:p>
-            <a:r>
-              <a:rPr lang="cs-CZ" dirty="0" smtClean="0">
-                <a:solidFill>
-                  <a:schemeClr val="tx2">
-                    <a:lumMod val="60000"/>
-                    <a:lumOff val="40000"/>
-                  </a:schemeClr>
-                </a:solidFill>
-              </a:rPr>
-              <a:t> Okamžitá validace zadávaných dat</a:t>
-            </a:r>
-          </a:p>
-          <a:p>
-            <a:r>
-              <a:rPr lang="cs-CZ" dirty="0" smtClean="0">
-                <a:solidFill>
-                  <a:schemeClr val="tx2">
-                    <a:lumMod val="60000"/>
-                    <a:lumOff val="40000"/>
-                  </a:schemeClr>
-                </a:solidFill>
-              </a:rPr>
-              <a:t>Rozbor objektu</a:t>
-            </a:r>
-          </a:p>
-          <a:p>
-            <a:pPr>
-              <a:buNone/>
-            </a:pPr>
-            <a:endParaRPr lang="cs-CZ" dirty="0">
-              <a:solidFill>
-                <a:schemeClr val="tx2">
-                  <a:lumMod val="60000"/>
-                  <a:lumOff val="40000"/>
-                </a:schemeClr>
-              </a:solidFill>
-            </a:endParaRPr>
           </a:p>
         </p:txBody>
       </p:sp>
@@ -3605,6 +6511,766 @@
       </p:grpSpPr>
       <p:sp>
         <p:nvSpPr>
+          <p:cNvPr id="3" name="Zástupný symbol pro obsah 2"/>
+          <p:cNvSpPr>
+            <a:spLocks noGrp="1"/>
+          </p:cNvSpPr>
+          <p:nvPr>
+            <p:ph idx="1"/>
+          </p:nvPr>
+        </p:nvSpPr>
+        <p:spPr/>
+        <p:txBody>
+          <a:bodyPr>
+            <a:normAutofit/>
+          </a:bodyPr>
+          <a:lstStyle/>
+          <a:p>
+            <a:r>
+              <a:rPr lang="cs-CZ" dirty="0" smtClean="0">
+                <a:solidFill>
+                  <a:schemeClr val="tx2">
+                    <a:lumMod val="60000"/>
+                    <a:lumOff val="40000"/>
+                  </a:schemeClr>
+                </a:solidFill>
+              </a:rPr>
+              <a:t>Správa pohonů, rozměrů </a:t>
+            </a:r>
+            <a:r>
+              <a:rPr lang="cs-CZ" dirty="0" err="1" smtClean="0">
+                <a:solidFill>
+                  <a:schemeClr val="tx2">
+                    <a:lumMod val="60000"/>
+                    <a:lumOff val="40000"/>
+                  </a:schemeClr>
+                </a:solidFill>
+              </a:rPr>
+              <a:t>jigu</a:t>
+            </a:r>
+            <a:r>
+              <a:rPr lang="cs-CZ" dirty="0" smtClean="0">
+                <a:solidFill>
+                  <a:schemeClr val="tx2">
+                    <a:lumMod val="60000"/>
+                    <a:lumOff val="40000"/>
+                  </a:schemeClr>
+                </a:solidFill>
+              </a:rPr>
+              <a:t>, </a:t>
+            </a:r>
+            <a:r>
+              <a:rPr lang="cs-CZ" dirty="0" err="1" smtClean="0">
+                <a:solidFill>
+                  <a:schemeClr val="tx2">
+                    <a:lumMod val="60000"/>
+                    <a:lumOff val="40000"/>
+                  </a:schemeClr>
+                </a:solidFill>
+              </a:rPr>
+              <a:t>TaktTimu</a:t>
+            </a:r>
+            <a:endParaRPr lang="cs-CZ" dirty="0" smtClean="0">
+              <a:solidFill>
+                <a:schemeClr val="tx2">
+                  <a:lumMod val="60000"/>
+                  <a:lumOff val="40000"/>
+                </a:schemeClr>
+              </a:solidFill>
+            </a:endParaRPr>
+          </a:p>
+          <a:p>
+            <a:r>
+              <a:rPr lang="cs-CZ" dirty="0" smtClean="0">
+                <a:solidFill>
+                  <a:schemeClr val="tx2">
+                    <a:lumMod val="60000"/>
+                    <a:lumOff val="40000"/>
+                  </a:schemeClr>
+                </a:solidFill>
+              </a:rPr>
+              <a:t>Vyznačení </a:t>
+            </a:r>
+            <a:r>
+              <a:rPr lang="cs-CZ" dirty="0" smtClean="0">
+                <a:solidFill>
+                  <a:schemeClr val="tx2">
+                    <a:lumMod val="60000"/>
+                    <a:lumOff val="40000"/>
+                  </a:schemeClr>
+                </a:solidFill>
+              </a:rPr>
+              <a:t>korelace hodnot na základě zadaného vstupu</a:t>
+            </a:r>
+          </a:p>
+          <a:p>
+            <a:r>
+              <a:rPr lang="cs-CZ" dirty="0" smtClean="0">
+                <a:solidFill>
+                  <a:schemeClr val="tx2">
+                    <a:lumMod val="60000"/>
+                    <a:lumOff val="40000"/>
+                  </a:schemeClr>
+                </a:solidFill>
+              </a:rPr>
+              <a:t>Zámky </a:t>
+            </a:r>
+            <a:r>
+              <a:rPr lang="cs-CZ" dirty="0" smtClean="0">
+                <a:solidFill>
+                  <a:schemeClr val="tx2">
+                    <a:lumMod val="60000"/>
+                    <a:lumOff val="40000"/>
+                  </a:schemeClr>
+                </a:solidFill>
+              </a:rPr>
+              <a:t>neměnných </a:t>
+            </a:r>
+            <a:r>
+              <a:rPr lang="cs-CZ" dirty="0" smtClean="0">
+                <a:solidFill>
+                  <a:schemeClr val="tx2">
+                    <a:lumMod val="60000"/>
+                    <a:lumOff val="40000"/>
+                  </a:schemeClr>
+                </a:solidFill>
+              </a:rPr>
+              <a:t>hodnot </a:t>
+            </a:r>
+          </a:p>
+          <a:p>
+            <a:r>
+              <a:rPr lang="cs-CZ" dirty="0" smtClean="0">
+                <a:solidFill>
+                  <a:schemeClr val="tx2">
+                    <a:lumMod val="60000"/>
+                    <a:lumOff val="40000"/>
+                  </a:schemeClr>
+                </a:solidFill>
+              </a:rPr>
+              <a:t>Našeptávač </a:t>
+            </a:r>
+            <a:r>
+              <a:rPr lang="cs-CZ" dirty="0" smtClean="0">
+                <a:solidFill>
+                  <a:schemeClr val="tx2">
+                    <a:lumMod val="60000"/>
+                    <a:lumOff val="40000"/>
+                  </a:schemeClr>
+                </a:solidFill>
+              </a:rPr>
+              <a:t>validních hodnot</a:t>
+            </a:r>
+          </a:p>
+          <a:p>
+            <a:r>
+              <a:rPr lang="cs-CZ" dirty="0" smtClean="0">
+                <a:solidFill>
+                  <a:schemeClr val="tx2">
+                    <a:lumMod val="60000"/>
+                    <a:lumOff val="40000"/>
+                  </a:schemeClr>
+                </a:solidFill>
+              </a:rPr>
+              <a:t>Lokální </a:t>
+            </a:r>
+            <a:r>
+              <a:rPr lang="cs-CZ" dirty="0" smtClean="0">
+                <a:solidFill>
+                  <a:schemeClr val="tx2">
+                    <a:lumMod val="60000"/>
+                    <a:lumOff val="40000"/>
+                  </a:schemeClr>
+                </a:solidFill>
+              </a:rPr>
+              <a:t>převody </a:t>
+            </a:r>
+            <a:r>
+              <a:rPr lang="cs-CZ" dirty="0" smtClean="0">
+                <a:solidFill>
+                  <a:schemeClr val="tx2">
+                    <a:lumMod val="60000"/>
+                    <a:lumOff val="40000"/>
+                  </a:schemeClr>
+                </a:solidFill>
+              </a:rPr>
+              <a:t>jednotek</a:t>
+            </a:r>
+          </a:p>
+          <a:p>
+            <a:r>
+              <a:rPr lang="cs-CZ" dirty="0" smtClean="0">
+                <a:solidFill>
+                  <a:schemeClr val="tx2">
+                    <a:lumMod val="60000"/>
+                    <a:lumOff val="40000"/>
+                  </a:schemeClr>
+                </a:solidFill>
+              </a:rPr>
+              <a:t>Zrušení přiřazení pohonů</a:t>
+            </a:r>
+            <a:endParaRPr lang="cs-CZ" dirty="0" smtClean="0">
+              <a:solidFill>
+                <a:schemeClr val="tx2">
+                  <a:lumMod val="60000"/>
+                  <a:lumOff val="40000"/>
+                </a:schemeClr>
+              </a:solidFill>
+            </a:endParaRPr>
+          </a:p>
+          <a:p>
+            <a:pPr>
+              <a:buNone/>
+            </a:pPr>
+            <a:endParaRPr lang="cs-CZ" dirty="0"/>
+          </a:p>
+        </p:txBody>
+      </p:sp>
+    </p:spTree>
+  </p:cSld>
+  <p:clrMapOvr>
+    <a:masterClrMapping/>
+  </p:clrMapOvr>
+</p:sld>
+</file>
+
+<file path=ppt/slides/slide5.xml><?xml version="1.0" encoding="utf-8"?>
+<p:sld xmlns:a="http://schemas.openxmlformats.org/drawingml/2006/main" xmlns:r="http://schemas.openxmlformats.org/officeDocument/2006/relationships" xmlns:p="http://schemas.openxmlformats.org/presentationml/2006/main">
+  <p:cSld>
+    <p:spTree>
+      <p:nvGrpSpPr>
+        <p:cNvPr id="1" name=""/>
+        <p:cNvGrpSpPr/>
+        <p:nvPr/>
+      </p:nvGrpSpPr>
+      <p:grpSpPr>
+        <a:xfrm>
+          <a:off x="0" y="0"/>
+          <a:ext cx="0" cy="0"/>
+          <a:chOff x="0" y="0"/>
+          <a:chExt cx="0" cy="0"/>
+        </a:xfrm>
+      </p:grpSpPr>
+      <p:sp>
+        <p:nvSpPr>
+          <p:cNvPr id="2" name="Nadpis 1"/>
+          <p:cNvSpPr>
+            <a:spLocks noGrp="1"/>
+          </p:cNvSpPr>
+          <p:nvPr>
+            <p:ph type="ctrTitle"/>
+          </p:nvPr>
+        </p:nvSpPr>
+        <p:spPr/>
+        <p:txBody>
+          <a:bodyPr/>
+          <a:lstStyle/>
+          <a:p>
+            <a:r>
+              <a:rPr lang="cs-CZ" dirty="0" smtClean="0"/>
+              <a:t>Parametry objektu</a:t>
+            </a:r>
+            <a:endParaRPr lang="cs-CZ" dirty="0"/>
+          </a:p>
+        </p:txBody>
+      </p:sp>
+      <p:sp>
+        <p:nvSpPr>
+          <p:cNvPr id="3" name="Podnadpis 2"/>
+          <p:cNvSpPr>
+            <a:spLocks noGrp="1"/>
+          </p:cNvSpPr>
+          <p:nvPr>
+            <p:ph type="subTitle" idx="1"/>
+          </p:nvPr>
+        </p:nvSpPr>
+        <p:spPr/>
+        <p:txBody>
+          <a:bodyPr/>
+          <a:lstStyle/>
+          <a:p>
+            <a:r>
+              <a:rPr lang="cs-CZ" dirty="0" err="1" smtClean="0"/>
+              <a:t>features</a:t>
+            </a:r>
+            <a:endParaRPr lang="cs-CZ" dirty="0"/>
+          </a:p>
+        </p:txBody>
+      </p:sp>
+    </p:spTree>
+  </p:cSld>
+  <p:clrMapOvr>
+    <a:masterClrMapping/>
+  </p:clrMapOvr>
+</p:sld>
+</file>
+
+<file path=ppt/slides/slide6.xml><?xml version="1.0" encoding="utf-8"?>
+<p:sld xmlns:a="http://schemas.openxmlformats.org/drawingml/2006/main" xmlns:r="http://schemas.openxmlformats.org/officeDocument/2006/relationships" xmlns:p="http://schemas.openxmlformats.org/presentationml/2006/main">
+  <p:cSld>
+    <p:spTree>
+      <p:nvGrpSpPr>
+        <p:cNvPr id="1" name=""/>
+        <p:cNvGrpSpPr/>
+        <p:nvPr/>
+      </p:nvGrpSpPr>
+      <p:grpSpPr>
+        <a:xfrm>
+          <a:off x="0" y="0"/>
+          <a:ext cx="0" cy="0"/>
+          <a:chOff x="0" y="0"/>
+          <a:chExt cx="0" cy="0"/>
+        </a:xfrm>
+      </p:grpSpPr>
+      <p:sp>
+        <p:nvSpPr>
+          <p:cNvPr id="2" name="Nadpis 1"/>
+          <p:cNvSpPr>
+            <a:spLocks noGrp="1"/>
+          </p:cNvSpPr>
+          <p:nvPr>
+            <p:ph type="title"/>
+          </p:nvPr>
+        </p:nvSpPr>
+        <p:spPr/>
+        <p:txBody>
+          <a:bodyPr>
+            <a:normAutofit/>
+          </a:bodyPr>
+          <a:lstStyle/>
+          <a:p>
+            <a:r>
+              <a:rPr lang="en-GB" dirty="0" smtClean="0"/>
+              <a:t>Main features</a:t>
+            </a:r>
+            <a:endParaRPr lang="cs-CZ" sz="3600" dirty="0">
+              <a:solidFill>
+                <a:schemeClr val="bg1">
+                  <a:lumMod val="50000"/>
+                </a:schemeClr>
+              </a:solidFill>
+            </a:endParaRPr>
+          </a:p>
+        </p:txBody>
+      </p:sp>
+      <p:sp>
+        <p:nvSpPr>
+          <p:cNvPr id="3" name="Zástupný symbol pro obsah 2"/>
+          <p:cNvSpPr>
+            <a:spLocks noGrp="1"/>
+          </p:cNvSpPr>
+          <p:nvPr>
+            <p:ph idx="1"/>
+          </p:nvPr>
+        </p:nvSpPr>
+        <p:spPr/>
+        <p:txBody>
+          <a:bodyPr>
+            <a:normAutofit fontScale="92500" lnSpcReduction="10000"/>
+          </a:bodyPr>
+          <a:lstStyle/>
+          <a:p>
+            <a:r>
+              <a:rPr lang="cs-CZ" dirty="0" smtClean="0">
+                <a:solidFill>
+                  <a:schemeClr val="tx2">
+                    <a:lumMod val="60000"/>
+                    <a:lumOff val="40000"/>
+                  </a:schemeClr>
+                </a:solidFill>
+              </a:rPr>
+              <a:t>Vyznačení korelace hodnot na základě zadaného vstupu</a:t>
+            </a:r>
+          </a:p>
+          <a:p>
+            <a:r>
+              <a:rPr lang="cs-CZ" dirty="0" smtClean="0">
+                <a:solidFill>
+                  <a:schemeClr val="tx2">
+                    <a:lumMod val="60000"/>
+                    <a:lumOff val="40000"/>
+                  </a:schemeClr>
+                </a:solidFill>
+              </a:rPr>
+              <a:t>Zámky neměnných hodnot </a:t>
+            </a:r>
+          </a:p>
+          <a:p>
+            <a:r>
+              <a:rPr lang="en-GB" dirty="0" smtClean="0">
+                <a:solidFill>
+                  <a:schemeClr val="tx2">
+                    <a:lumMod val="60000"/>
+                    <a:lumOff val="40000"/>
+                  </a:schemeClr>
+                </a:solidFill>
+              </a:rPr>
+              <a:t>Hl</a:t>
+            </a:r>
+            <a:r>
+              <a:rPr lang="cs-CZ" dirty="0" err="1" smtClean="0">
+                <a:solidFill>
+                  <a:schemeClr val="tx2">
+                    <a:lumMod val="60000"/>
+                    <a:lumOff val="40000"/>
+                  </a:schemeClr>
+                </a:solidFill>
+              </a:rPr>
+              <a:t>ídání</a:t>
+            </a:r>
+            <a:r>
+              <a:rPr lang="cs-CZ" dirty="0" smtClean="0">
+                <a:solidFill>
+                  <a:schemeClr val="tx2">
+                    <a:lumMod val="60000"/>
+                    <a:lumOff val="40000"/>
+                  </a:schemeClr>
+                </a:solidFill>
+              </a:rPr>
+              <a:t> rychlosti přejezdu</a:t>
+            </a:r>
+          </a:p>
+          <a:p>
+            <a:r>
+              <a:rPr lang="cs-CZ" dirty="0" smtClean="0">
+                <a:solidFill>
+                  <a:schemeClr val="tx2">
+                    <a:lumMod val="60000"/>
+                    <a:lumOff val="40000"/>
+                  </a:schemeClr>
+                </a:solidFill>
+              </a:rPr>
+              <a:t>Animace a náhled  kabiny</a:t>
+            </a:r>
+          </a:p>
+          <a:p>
+            <a:r>
+              <a:rPr lang="cs-CZ" dirty="0" smtClean="0">
+                <a:solidFill>
+                  <a:schemeClr val="tx2">
+                    <a:lumMod val="60000"/>
+                    <a:lumOff val="40000"/>
+                  </a:schemeClr>
+                </a:solidFill>
+              </a:rPr>
+              <a:t>Našeptávač validních hodnot</a:t>
+            </a:r>
+          </a:p>
+          <a:p>
+            <a:r>
+              <a:rPr lang="cs-CZ" dirty="0" smtClean="0">
+                <a:solidFill>
+                  <a:schemeClr val="tx2">
+                    <a:lumMod val="60000"/>
+                    <a:lumOff val="40000"/>
+                  </a:schemeClr>
+                </a:solidFill>
+              </a:rPr>
+              <a:t>Přímý vstup do nastavení projektu</a:t>
+            </a:r>
+            <a:r>
+              <a:rPr lang="cs-CZ" sz="2800" dirty="0" smtClean="0">
+                <a:solidFill>
+                  <a:schemeClr val="tx2">
+                    <a:lumMod val="60000"/>
+                    <a:lumOff val="40000"/>
+                  </a:schemeClr>
+                </a:solidFill>
+              </a:rPr>
+              <a:t> </a:t>
+            </a:r>
+            <a:r>
+              <a:rPr lang="cs-CZ" sz="2400" dirty="0" smtClean="0">
+                <a:solidFill>
+                  <a:schemeClr val="tx2">
+                    <a:lumMod val="60000"/>
+                    <a:lumOff val="40000"/>
+                  </a:schemeClr>
+                </a:solidFill>
+              </a:rPr>
+              <a:t>(pohony, </a:t>
+            </a:r>
+            <a:r>
+              <a:rPr lang="cs-CZ" sz="2400" dirty="0" err="1" smtClean="0">
+                <a:solidFill>
+                  <a:schemeClr val="tx2">
+                    <a:lumMod val="60000"/>
+                    <a:lumOff val="40000"/>
+                  </a:schemeClr>
+                </a:solidFill>
+              </a:rPr>
+              <a:t>jig</a:t>
+            </a:r>
+            <a:r>
+              <a:rPr lang="cs-CZ" sz="2400" dirty="0" smtClean="0">
+                <a:solidFill>
+                  <a:schemeClr val="tx2">
+                    <a:lumMod val="60000"/>
+                    <a:lumOff val="40000"/>
+                  </a:schemeClr>
+                </a:solidFill>
+              </a:rPr>
+              <a:t>,…)</a:t>
+            </a:r>
+          </a:p>
+          <a:p>
+            <a:r>
+              <a:rPr lang="cs-CZ" dirty="0" smtClean="0">
+                <a:solidFill>
+                  <a:schemeClr val="tx2">
+                    <a:lumMod val="60000"/>
+                    <a:lumOff val="40000"/>
+                  </a:schemeClr>
+                </a:solidFill>
+              </a:rPr>
+              <a:t>Lokální převody jednotek</a:t>
+            </a:r>
+          </a:p>
+          <a:p>
+            <a:r>
+              <a:rPr lang="cs-CZ" dirty="0" smtClean="0">
+                <a:solidFill>
+                  <a:schemeClr val="tx2">
+                    <a:lumMod val="60000"/>
+                    <a:lumOff val="40000"/>
+                  </a:schemeClr>
+                </a:solidFill>
+              </a:rPr>
+              <a:t>Okamžitá interakce aplikace </a:t>
+            </a:r>
+          </a:p>
+          <a:p>
+            <a:pPr>
+              <a:buNone/>
+            </a:pPr>
+            <a:endParaRPr lang="cs-CZ" dirty="0" smtClean="0">
+              <a:solidFill>
+                <a:schemeClr val="tx2">
+                  <a:lumMod val="60000"/>
+                  <a:lumOff val="40000"/>
+                </a:schemeClr>
+              </a:solidFill>
+            </a:endParaRPr>
+          </a:p>
+          <a:p>
+            <a:endParaRPr lang="cs-CZ" dirty="0" smtClean="0">
+              <a:solidFill>
+                <a:schemeClr val="tx2">
+                  <a:lumMod val="60000"/>
+                  <a:lumOff val="40000"/>
+                </a:schemeClr>
+              </a:solidFill>
+            </a:endParaRPr>
+          </a:p>
+        </p:txBody>
+      </p:sp>
+    </p:spTree>
+  </p:cSld>
+  <p:clrMapOvr>
+    <a:masterClrMapping/>
+  </p:clrMapOvr>
+</p:sld>
+</file>
+
+<file path=ppt/slides/slide7.xml><?xml version="1.0" encoding="utf-8"?>
+<p:sld xmlns:a="http://schemas.openxmlformats.org/drawingml/2006/main" xmlns:r="http://schemas.openxmlformats.org/officeDocument/2006/relationships" xmlns:p="http://schemas.openxmlformats.org/presentationml/2006/main">
+  <p:cSld>
+    <p:spTree>
+      <p:nvGrpSpPr>
+        <p:cNvPr id="1" name=""/>
+        <p:cNvGrpSpPr/>
+        <p:nvPr/>
+      </p:nvGrpSpPr>
+      <p:grpSpPr>
+        <a:xfrm>
+          <a:off x="0" y="0"/>
+          <a:ext cx="0" cy="0"/>
+          <a:chOff x="0" y="0"/>
+          <a:chExt cx="0" cy="0"/>
+        </a:xfrm>
+      </p:grpSpPr>
+      <p:sp>
+        <p:nvSpPr>
+          <p:cNvPr id="2" name="Nadpis 1"/>
+          <p:cNvSpPr>
+            <a:spLocks noGrp="1"/>
+          </p:cNvSpPr>
+          <p:nvPr>
+            <p:ph type="title"/>
+          </p:nvPr>
+        </p:nvSpPr>
+        <p:spPr/>
+        <p:txBody>
+          <a:bodyPr>
+            <a:normAutofit fontScale="90000"/>
+          </a:bodyPr>
+          <a:lstStyle/>
+          <a:p>
+            <a:r>
+              <a:rPr lang="cs-CZ" dirty="0" smtClean="0"/>
+              <a:t>STOP </a:t>
+            </a:r>
+            <a:r>
+              <a:rPr lang="en-GB" dirty="0" smtClean="0"/>
+              <a:t>&amp; GO </a:t>
+            </a:r>
+            <a:br>
+              <a:rPr lang="en-GB" dirty="0" smtClean="0"/>
+            </a:br>
+            <a:r>
+              <a:rPr lang="en-GB" dirty="0" smtClean="0"/>
+              <a:t>features</a:t>
+            </a:r>
+            <a:endParaRPr lang="cs-CZ" dirty="0"/>
+          </a:p>
+        </p:txBody>
+      </p:sp>
+      <p:sp>
+        <p:nvSpPr>
+          <p:cNvPr id="3" name="Zástupný symbol pro obsah 2"/>
+          <p:cNvSpPr>
+            <a:spLocks noGrp="1"/>
+          </p:cNvSpPr>
+          <p:nvPr>
+            <p:ph idx="1"/>
+          </p:nvPr>
+        </p:nvSpPr>
+        <p:spPr/>
+        <p:txBody>
+          <a:bodyPr/>
+          <a:lstStyle/>
+          <a:p>
+            <a:r>
+              <a:rPr lang="cs-CZ" dirty="0" smtClean="0">
+                <a:solidFill>
+                  <a:schemeClr val="tx2">
+                    <a:lumMod val="60000"/>
+                    <a:lumOff val="40000"/>
+                  </a:schemeClr>
+                </a:solidFill>
+              </a:rPr>
+              <a:t>Automatická možnost rozložení na více objektů – v případě násobku </a:t>
+            </a:r>
+            <a:r>
+              <a:rPr lang="cs-CZ" dirty="0" err="1" smtClean="0">
+                <a:solidFill>
+                  <a:schemeClr val="tx2">
+                    <a:lumMod val="60000"/>
+                    <a:lumOff val="40000"/>
+                  </a:schemeClr>
+                </a:solidFill>
+              </a:rPr>
+              <a:t>TaktTime</a:t>
+            </a:r>
+            <a:endParaRPr lang="cs-CZ" dirty="0" smtClean="0">
+              <a:solidFill>
+                <a:schemeClr val="tx2">
+                  <a:lumMod val="60000"/>
+                  <a:lumOff val="40000"/>
+                </a:schemeClr>
+              </a:solidFill>
+            </a:endParaRPr>
+          </a:p>
+          <a:p>
+            <a:r>
+              <a:rPr lang="cs-CZ" dirty="0" smtClean="0">
+                <a:solidFill>
+                  <a:schemeClr val="tx2">
+                    <a:lumMod val="60000"/>
+                    <a:lumOff val="40000"/>
+                  </a:schemeClr>
+                </a:solidFill>
+              </a:rPr>
+              <a:t>Hlídání CT vůči </a:t>
+            </a:r>
+            <a:r>
+              <a:rPr lang="cs-CZ" dirty="0" err="1" smtClean="0">
+                <a:solidFill>
+                  <a:schemeClr val="tx2">
+                    <a:lumMod val="60000"/>
+                    <a:lumOff val="40000"/>
+                  </a:schemeClr>
+                </a:solidFill>
+              </a:rPr>
+              <a:t>TaktTime</a:t>
+            </a:r>
+            <a:endParaRPr lang="cs-CZ" dirty="0" smtClean="0">
+              <a:solidFill>
+                <a:schemeClr val="tx2">
+                  <a:lumMod val="60000"/>
+                  <a:lumOff val="40000"/>
+                </a:schemeClr>
+              </a:solidFill>
+            </a:endParaRPr>
+          </a:p>
+          <a:p>
+            <a:r>
+              <a:rPr lang="cs-CZ" dirty="0" smtClean="0">
+                <a:solidFill>
+                  <a:schemeClr val="tx2">
+                    <a:lumMod val="60000"/>
+                    <a:lumOff val="40000"/>
+                  </a:schemeClr>
+                </a:solidFill>
+              </a:rPr>
+              <a:t> Okamžitá validace zadávaných dat</a:t>
+            </a:r>
+          </a:p>
+          <a:p>
+            <a:r>
+              <a:rPr lang="cs-CZ" dirty="0" smtClean="0">
+                <a:solidFill>
+                  <a:schemeClr val="tx2">
+                    <a:lumMod val="60000"/>
+                    <a:lumOff val="40000"/>
+                  </a:schemeClr>
+                </a:solidFill>
+              </a:rPr>
+              <a:t>Rozbor objektu</a:t>
+            </a:r>
+          </a:p>
+          <a:p>
+            <a:pPr>
+              <a:buNone/>
+            </a:pPr>
+            <a:endParaRPr lang="cs-CZ" dirty="0">
+              <a:solidFill>
+                <a:schemeClr val="tx2">
+                  <a:lumMod val="60000"/>
+                  <a:lumOff val="40000"/>
+                </a:schemeClr>
+              </a:solidFill>
+            </a:endParaRPr>
+          </a:p>
+        </p:txBody>
+      </p:sp>
+    </p:spTree>
+  </p:cSld>
+  <p:clrMapOvr>
+    <a:masterClrMapping/>
+  </p:clrMapOvr>
+</p:sld>
+</file>
+
+<file path=ppt/slides/slide8.xml><?xml version="1.0" encoding="utf-8"?>
+<p:sld xmlns:a="http://schemas.openxmlformats.org/drawingml/2006/main" xmlns:r="http://schemas.openxmlformats.org/officeDocument/2006/relationships" xmlns:p="http://schemas.openxmlformats.org/presentationml/2006/main">
+  <p:cSld>
+    <p:spTree>
+      <p:nvGrpSpPr>
+        <p:cNvPr id="1" name=""/>
+        <p:cNvGrpSpPr/>
+        <p:nvPr/>
+      </p:nvGrpSpPr>
+      <p:grpSpPr>
+        <a:xfrm>
+          <a:off x="0" y="0"/>
+          <a:ext cx="0" cy="0"/>
+          <a:chOff x="0" y="0"/>
+          <a:chExt cx="0" cy="0"/>
+        </a:xfrm>
+      </p:grpSpPr>
+      <p:sp>
+        <p:nvSpPr>
           <p:cNvPr id="2" name="Nadpis 1"/>
           <p:cNvSpPr>
             <a:spLocks noGrp="1"/>
@@ -3756,7 +7422,7 @@
 </p:sld>
 </file>
 
-<file path=ppt/slides/slide5.xml><?xml version="1.0" encoding="utf-8"?>
+<file path=ppt/slides/slide9.xml><?xml version="1.0" encoding="utf-8"?>
 <p:sld xmlns:a="http://schemas.openxmlformats.org/drawingml/2006/main" xmlns:r="http://schemas.openxmlformats.org/officeDocument/2006/relationships" xmlns:p="http://schemas.openxmlformats.org/presentationml/2006/main">
   <p:cSld>
     <p:spTree>
